--- a/EngineeredMonitoringPlatform/docs/EMP_Architecture.pptx
+++ b/EngineeredMonitoringPlatform/docs/EMP_Architecture.pptx
@@ -255,7 +255,7 @@
           <a:p>
             <a:fld id="{485B8429-95BF-4192-89F7-D60C01087E41}" type="datetimeFigureOut">
               <a:rPr lang="de-CH" smtClean="0"/>
-              <a:t>22.04.2020</a:t>
+              <a:t>02.02.2022</a:t>
             </a:fld>
             <a:endParaRPr lang="de-CH"/>
           </a:p>
@@ -425,7 +425,7 @@
           <a:p>
             <a:fld id="{485B8429-95BF-4192-89F7-D60C01087E41}" type="datetimeFigureOut">
               <a:rPr lang="de-CH" smtClean="0"/>
-              <a:t>22.04.2020</a:t>
+              <a:t>02.02.2022</a:t>
             </a:fld>
             <a:endParaRPr lang="de-CH"/>
           </a:p>
@@ -605,7 +605,7 @@
           <a:p>
             <a:fld id="{485B8429-95BF-4192-89F7-D60C01087E41}" type="datetimeFigureOut">
               <a:rPr lang="de-CH" smtClean="0"/>
-              <a:t>22.04.2020</a:t>
+              <a:t>02.02.2022</a:t>
             </a:fld>
             <a:endParaRPr lang="de-CH"/>
           </a:p>
@@ -775,7 +775,7 @@
           <a:p>
             <a:fld id="{485B8429-95BF-4192-89F7-D60C01087E41}" type="datetimeFigureOut">
               <a:rPr lang="de-CH" smtClean="0"/>
-              <a:t>22.04.2020</a:t>
+              <a:t>02.02.2022</a:t>
             </a:fld>
             <a:endParaRPr lang="de-CH"/>
           </a:p>
@@ -1021,7 +1021,7 @@
           <a:p>
             <a:fld id="{485B8429-95BF-4192-89F7-D60C01087E41}" type="datetimeFigureOut">
               <a:rPr lang="de-CH" smtClean="0"/>
-              <a:t>22.04.2020</a:t>
+              <a:t>02.02.2022</a:t>
             </a:fld>
             <a:endParaRPr lang="de-CH"/>
           </a:p>
@@ -1253,7 +1253,7 @@
           <a:p>
             <a:fld id="{485B8429-95BF-4192-89F7-D60C01087E41}" type="datetimeFigureOut">
               <a:rPr lang="de-CH" smtClean="0"/>
-              <a:t>22.04.2020</a:t>
+              <a:t>02.02.2022</a:t>
             </a:fld>
             <a:endParaRPr lang="de-CH"/>
           </a:p>
@@ -1620,7 +1620,7 @@
           <a:p>
             <a:fld id="{485B8429-95BF-4192-89F7-D60C01087E41}" type="datetimeFigureOut">
               <a:rPr lang="de-CH" smtClean="0"/>
-              <a:t>22.04.2020</a:t>
+              <a:t>02.02.2022</a:t>
             </a:fld>
             <a:endParaRPr lang="de-CH"/>
           </a:p>
@@ -1738,7 +1738,7 @@
           <a:p>
             <a:fld id="{485B8429-95BF-4192-89F7-D60C01087E41}" type="datetimeFigureOut">
               <a:rPr lang="de-CH" smtClean="0"/>
-              <a:t>22.04.2020</a:t>
+              <a:t>02.02.2022</a:t>
             </a:fld>
             <a:endParaRPr lang="de-CH"/>
           </a:p>
@@ -1833,7 +1833,7 @@
           <a:p>
             <a:fld id="{485B8429-95BF-4192-89F7-D60C01087E41}" type="datetimeFigureOut">
               <a:rPr lang="de-CH" smtClean="0"/>
-              <a:t>22.04.2020</a:t>
+              <a:t>02.02.2022</a:t>
             </a:fld>
             <a:endParaRPr lang="de-CH"/>
           </a:p>
@@ -2110,7 +2110,7 @@
           <a:p>
             <a:fld id="{485B8429-95BF-4192-89F7-D60C01087E41}" type="datetimeFigureOut">
               <a:rPr lang="de-CH" smtClean="0"/>
-              <a:t>22.04.2020</a:t>
+              <a:t>02.02.2022</a:t>
             </a:fld>
             <a:endParaRPr lang="de-CH"/>
           </a:p>
@@ -2363,7 +2363,7 @@
           <a:p>
             <a:fld id="{485B8429-95BF-4192-89F7-D60C01087E41}" type="datetimeFigureOut">
               <a:rPr lang="de-CH" smtClean="0"/>
-              <a:t>22.04.2020</a:t>
+              <a:t>02.02.2022</a:t>
             </a:fld>
             <a:endParaRPr lang="de-CH"/>
           </a:p>
@@ -2576,7 +2576,7 @@
           <a:p>
             <a:fld id="{485B8429-95BF-4192-89F7-D60C01087E41}" type="datetimeFigureOut">
               <a:rPr lang="de-CH" smtClean="0"/>
-              <a:t>22.04.2020</a:t>
+              <a:t>02.02.2022</a:t>
             </a:fld>
             <a:endParaRPr lang="de-CH"/>
           </a:p>
@@ -2983,10 +2983,71 @@
       </p:grpSpPr>
       <p:sp>
         <p:nvSpPr>
-          <p:cNvPr id="28" name="Rectangle 27">
+          <p:cNvPr id="4" name="Title 3"/>
+          <p:cNvSpPr>
+            <a:spLocks noGrp="1"/>
+          </p:cNvSpPr>
+          <p:nvPr>
+            <p:ph type="title"/>
+          </p:nvPr>
+        </p:nvSpPr>
+        <p:spPr>
+          <a:xfrm>
+            <a:off x="829147" y="184055"/>
+            <a:ext cx="10515600" cy="712237"/>
+          </a:xfrm>
+        </p:spPr>
+        <p:txBody>
+          <a:bodyPr anchor="ctr" anchorCtr="1">
+            <a:normAutofit/>
+          </a:bodyPr>
+          <a:lstStyle/>
+          <a:p>
+            <a:r>
+              <a:rPr lang="de-CH" dirty="0">
+                <a:ln w="0"/>
+                <a:effectLst>
+                  <a:outerShdw blurRad="38100" dist="19050" dir="2700000" algn="tl" rotWithShape="0">
+                    <a:schemeClr val="dk1">
+                      <a:alpha val="40000"/>
+                    </a:schemeClr>
+                  </a:outerShdw>
+                </a:effectLst>
+              </a:rPr>
+              <a:t>EMP Architecture – </a:t>
+            </a:r>
+            <a:r>
+              <a:rPr lang="de-CH" dirty="0" err="1">
+                <a:ln w="0"/>
+                <a:effectLst>
+                  <a:outerShdw blurRad="38100" dist="19050" dir="2700000" algn="tl" rotWithShape="0">
+                    <a:schemeClr val="dk1">
+                      <a:alpha val="40000"/>
+                    </a:schemeClr>
+                  </a:outerShdw>
+                </a:effectLst>
+              </a:rPr>
+              <a:t>Overview</a:t>
+            </a:r>
+            <a:endParaRPr lang="de-CH" dirty="0">
+              <a:ln w="0"/>
+              <a:effectLst>
+                <a:outerShdw blurRad="38100" dist="19050" dir="2700000" algn="tl" rotWithShape="0">
+                  <a:schemeClr val="dk1">
+                    <a:alpha val="40000"/>
+                  </a:schemeClr>
+                </a:outerShdw>
+              </a:effectLst>
+            </a:endParaRPr>
+          </a:p>
+        </p:txBody>
+      </p:sp>
+      <p:sp>
+        <p:nvSpPr>
+          <p:cNvPr id="33" name="Rectangle 32">
             <a:extLst>
               <a:ext uri="{FF2B5EF4-FFF2-40B4-BE49-F238E27FC236}">
-                <a16:creationId xmlns:a16="http://schemas.microsoft.com/office/drawing/2014/main" id="{6727C530-18F5-4F0C-B490-8AAB66C289A2}"/>
+                <a16:creationId xmlns:a16="http://schemas.microsoft.com/office/drawing/2014/main" id="{075C009E-81E8-4706-B393-165ED3B8FDF9}"/>
               </a:ext>
             </a:extLst>
           </p:cNvPr>
@@ -2995,8 +3056,8 @@
         </p:nvSpPr>
         <p:spPr>
           <a:xfrm>
-            <a:off x="2094909" y="1283663"/>
-            <a:ext cx="3037086" cy="4384936"/>
+            <a:off x="6873697" y="1259546"/>
+            <a:ext cx="3037086" cy="1348535"/>
           </a:xfrm>
           <a:prstGeom prst="rect">
             <a:avLst/>
@@ -3030,7 +3091,419 @@
           </a:fontRef>
         </p:style>
         <p:txBody>
-          <a:bodyPr rtlCol="0" anchor="t" anchorCtr="0"/>
+          <a:bodyPr rtlCol="0" anchor="t" anchorCtr="0">
+            <a:normAutofit/>
+          </a:bodyPr>
+          <a:lstStyle/>
+          <a:p>
+            <a:pPr algn="ctr"/>
+            <a:r>
+              <a:rPr lang="de-CH" dirty="0">
+                <a:solidFill>
+                  <a:srgbClr val="002060"/>
+                </a:solidFill>
+              </a:rPr>
+              <a:t>Silk Performance Manager</a:t>
+            </a:r>
+          </a:p>
+        </p:txBody>
+      </p:sp>
+      <p:sp>
+        <p:nvSpPr>
+          <p:cNvPr id="40" name="Rectangle 39">
+            <a:extLst>
+              <a:ext uri="{FF2B5EF4-FFF2-40B4-BE49-F238E27FC236}">
+                <a16:creationId xmlns:a16="http://schemas.microsoft.com/office/drawing/2014/main" id="{9B4562A6-5C82-461F-A35D-4509F2CD4B0D}"/>
+              </a:ext>
+            </a:extLst>
+          </p:cNvPr>
+          <p:cNvSpPr/>
+          <p:nvPr/>
+        </p:nvSpPr>
+        <p:spPr>
+          <a:xfrm>
+            <a:off x="7135429" y="2051575"/>
+            <a:ext cx="2513622" cy="361678"/>
+          </a:xfrm>
+          <a:prstGeom prst="rect">
+            <a:avLst/>
+          </a:prstGeom>
+        </p:spPr>
+        <p:style>
+          <a:lnRef idx="2">
+            <a:schemeClr val="accent1">
+              <a:shade val="50000"/>
+            </a:schemeClr>
+          </a:lnRef>
+          <a:fillRef idx="1">
+            <a:schemeClr val="accent1"/>
+          </a:fillRef>
+          <a:effectRef idx="0">
+            <a:schemeClr val="accent1"/>
+          </a:effectRef>
+          <a:fontRef idx="minor">
+            <a:schemeClr val="lt1"/>
+          </a:fontRef>
+        </p:style>
+        <p:txBody>
+          <a:bodyPr rtlCol="0" anchor="ctr">
+            <a:normAutofit lnSpcReduction="10000"/>
+          </a:bodyPr>
+          <a:lstStyle/>
+          <a:p>
+            <a:pPr algn="ctr"/>
+            <a:r>
+              <a:rPr lang="de-CH" dirty="0"/>
+              <a:t>Database</a:t>
+            </a:r>
+          </a:p>
+        </p:txBody>
+      </p:sp>
+      <p:sp>
+        <p:nvSpPr>
+          <p:cNvPr id="47" name="Rectangle 46">
+            <a:extLst>
+              <a:ext uri="{FF2B5EF4-FFF2-40B4-BE49-F238E27FC236}">
+                <a16:creationId xmlns:a16="http://schemas.microsoft.com/office/drawing/2014/main" id="{9646A5C9-9F10-4A3B-984F-86348D171E44}"/>
+              </a:ext>
+            </a:extLst>
+          </p:cNvPr>
+          <p:cNvSpPr/>
+          <p:nvPr/>
+        </p:nvSpPr>
+        <p:spPr>
+          <a:xfrm>
+            <a:off x="7135429" y="1570223"/>
+            <a:ext cx="2513622" cy="361678"/>
+          </a:xfrm>
+          <a:prstGeom prst="rect">
+            <a:avLst/>
+          </a:prstGeom>
+        </p:spPr>
+        <p:style>
+          <a:lnRef idx="2">
+            <a:schemeClr val="accent1">
+              <a:shade val="50000"/>
+            </a:schemeClr>
+          </a:lnRef>
+          <a:fillRef idx="1">
+            <a:schemeClr val="accent1"/>
+          </a:fillRef>
+          <a:effectRef idx="0">
+            <a:schemeClr val="accent1"/>
+          </a:effectRef>
+          <a:fontRef idx="minor">
+            <a:schemeClr val="lt1"/>
+          </a:fontRef>
+        </p:style>
+        <p:txBody>
+          <a:bodyPr rtlCol="0" anchor="ctr">
+            <a:normAutofit lnSpcReduction="10000"/>
+          </a:bodyPr>
+          <a:lstStyle/>
+          <a:p>
+            <a:pPr algn="ctr"/>
+            <a:r>
+              <a:rPr lang="de-CH" dirty="0"/>
+              <a:t>Web API</a:t>
+            </a:r>
+          </a:p>
+        </p:txBody>
+      </p:sp>
+      <p:sp>
+        <p:nvSpPr>
+          <p:cNvPr id="52" name="Rectangle 51">
+            <a:extLst>
+              <a:ext uri="{FF2B5EF4-FFF2-40B4-BE49-F238E27FC236}">
+                <a16:creationId xmlns:a16="http://schemas.microsoft.com/office/drawing/2014/main" id="{817DD608-36DF-4173-BB04-AF83A1FF79AF}"/>
+              </a:ext>
+            </a:extLst>
+          </p:cNvPr>
+          <p:cNvSpPr/>
+          <p:nvPr/>
+        </p:nvSpPr>
+        <p:spPr>
+          <a:xfrm>
+            <a:off x="6873697" y="2796665"/>
+            <a:ext cx="3037086" cy="812698"/>
+          </a:xfrm>
+          <a:prstGeom prst="rect">
+            <a:avLst/>
+          </a:prstGeom>
+          <a:solidFill>
+            <a:schemeClr val="accent1">
+              <a:lumMod val="20000"/>
+              <a:lumOff val="80000"/>
+              <a:alpha val="50000"/>
+            </a:schemeClr>
+          </a:solidFill>
+          <a:ln w="19050">
+            <a:solidFill>
+              <a:srgbClr val="002060"/>
+            </a:solidFill>
+            <a:prstDash val="dash"/>
+          </a:ln>
+        </p:spPr>
+        <p:style>
+          <a:lnRef idx="0">
+            <a:scrgbClr r="0" g="0" b="0"/>
+          </a:lnRef>
+          <a:fillRef idx="0">
+            <a:scrgbClr r="0" g="0" b="0"/>
+          </a:fillRef>
+          <a:effectRef idx="0">
+            <a:scrgbClr r="0" g="0" b="0"/>
+          </a:effectRef>
+          <a:fontRef idx="minor">
+            <a:schemeClr val="lt1"/>
+          </a:fontRef>
+        </p:style>
+        <p:txBody>
+          <a:bodyPr rtlCol="0" anchor="t" anchorCtr="0">
+            <a:normAutofit/>
+          </a:bodyPr>
+          <a:lstStyle/>
+          <a:p>
+            <a:pPr algn="ctr"/>
+            <a:r>
+              <a:rPr lang="de-CH" dirty="0">
+                <a:solidFill>
+                  <a:srgbClr val="002060"/>
+                </a:solidFill>
+              </a:rPr>
+              <a:t>AWA</a:t>
+            </a:r>
+          </a:p>
+        </p:txBody>
+      </p:sp>
+      <p:sp>
+        <p:nvSpPr>
+          <p:cNvPr id="53" name="Rectangle 52">
+            <a:extLst>
+              <a:ext uri="{FF2B5EF4-FFF2-40B4-BE49-F238E27FC236}">
+                <a16:creationId xmlns:a16="http://schemas.microsoft.com/office/drawing/2014/main" id="{5C9C89D4-7460-4E41-91BB-1A69DAD6193B}"/>
+              </a:ext>
+            </a:extLst>
+          </p:cNvPr>
+          <p:cNvSpPr/>
+          <p:nvPr/>
+        </p:nvSpPr>
+        <p:spPr>
+          <a:xfrm>
+            <a:off x="7135429" y="3109254"/>
+            <a:ext cx="2513622" cy="361678"/>
+          </a:xfrm>
+          <a:prstGeom prst="rect">
+            <a:avLst/>
+          </a:prstGeom>
+        </p:spPr>
+        <p:style>
+          <a:lnRef idx="2">
+            <a:schemeClr val="accent1">
+              <a:shade val="50000"/>
+            </a:schemeClr>
+          </a:lnRef>
+          <a:fillRef idx="1">
+            <a:schemeClr val="accent1"/>
+          </a:fillRef>
+          <a:effectRef idx="0">
+            <a:schemeClr val="accent1"/>
+          </a:effectRef>
+          <a:fontRef idx="minor">
+            <a:schemeClr val="lt1"/>
+          </a:fontRef>
+        </p:style>
+        <p:txBody>
+          <a:bodyPr rtlCol="0" anchor="ctr">
+            <a:normAutofit lnSpcReduction="10000"/>
+          </a:bodyPr>
+          <a:lstStyle/>
+          <a:p>
+            <a:pPr algn="ctr"/>
+            <a:r>
+              <a:rPr lang="de-CH" dirty="0"/>
+              <a:t>Database</a:t>
+            </a:r>
+          </a:p>
+        </p:txBody>
+      </p:sp>
+      <p:sp>
+        <p:nvSpPr>
+          <p:cNvPr id="61" name="Rectangle 60">
+            <a:extLst>
+              <a:ext uri="{FF2B5EF4-FFF2-40B4-BE49-F238E27FC236}">
+                <a16:creationId xmlns:a16="http://schemas.microsoft.com/office/drawing/2014/main" id="{E5A872CC-2677-487D-BBE9-951B9DA1A7DA}"/>
+              </a:ext>
+            </a:extLst>
+          </p:cNvPr>
+          <p:cNvSpPr/>
+          <p:nvPr/>
+        </p:nvSpPr>
+        <p:spPr>
+          <a:xfrm>
+            <a:off x="6873697" y="3782250"/>
+            <a:ext cx="3037086" cy="812698"/>
+          </a:xfrm>
+          <a:prstGeom prst="rect">
+            <a:avLst/>
+          </a:prstGeom>
+          <a:solidFill>
+            <a:schemeClr val="accent1">
+              <a:lumMod val="20000"/>
+              <a:lumOff val="80000"/>
+              <a:alpha val="50000"/>
+            </a:schemeClr>
+          </a:solidFill>
+          <a:ln w="19050">
+            <a:solidFill>
+              <a:srgbClr val="002060"/>
+            </a:solidFill>
+            <a:prstDash val="dash"/>
+          </a:ln>
+        </p:spPr>
+        <p:style>
+          <a:lnRef idx="0">
+            <a:scrgbClr r="0" g="0" b="0"/>
+          </a:lnRef>
+          <a:fillRef idx="0">
+            <a:scrgbClr r="0" g="0" b="0"/>
+          </a:fillRef>
+          <a:effectRef idx="0">
+            <a:scrgbClr r="0" g="0" b="0"/>
+          </a:effectRef>
+          <a:fontRef idx="minor">
+            <a:schemeClr val="lt1"/>
+          </a:fontRef>
+        </p:style>
+        <p:txBody>
+          <a:bodyPr rtlCol="0" anchor="t" anchorCtr="0">
+            <a:normAutofit/>
+          </a:bodyPr>
+          <a:lstStyle/>
+          <a:p>
+            <a:pPr algn="ctr"/>
+            <a:r>
+              <a:rPr lang="de-CH" dirty="0" err="1">
+                <a:solidFill>
+                  <a:srgbClr val="002060"/>
+                </a:solidFill>
+              </a:rPr>
+              <a:t>Various</a:t>
+            </a:r>
+            <a:r>
+              <a:rPr lang="de-CH" dirty="0">
+                <a:solidFill>
+                  <a:srgbClr val="002060"/>
+                </a:solidFill>
+              </a:rPr>
+              <a:t> Databases …</a:t>
+            </a:r>
+          </a:p>
+        </p:txBody>
+      </p:sp>
+      <p:sp>
+        <p:nvSpPr>
+          <p:cNvPr id="62" name="Rectangle 61">
+            <a:extLst>
+              <a:ext uri="{FF2B5EF4-FFF2-40B4-BE49-F238E27FC236}">
+                <a16:creationId xmlns:a16="http://schemas.microsoft.com/office/drawing/2014/main" id="{C149C0C9-EEB0-4C61-B8A6-4AD4825D47C4}"/>
+              </a:ext>
+            </a:extLst>
+          </p:cNvPr>
+          <p:cNvSpPr/>
+          <p:nvPr/>
+        </p:nvSpPr>
+        <p:spPr>
+          <a:xfrm>
+            <a:off x="7135429" y="4094839"/>
+            <a:ext cx="2513622" cy="361678"/>
+          </a:xfrm>
+          <a:prstGeom prst="rect">
+            <a:avLst/>
+          </a:prstGeom>
+        </p:spPr>
+        <p:style>
+          <a:lnRef idx="2">
+            <a:schemeClr val="accent1">
+              <a:shade val="50000"/>
+            </a:schemeClr>
+          </a:lnRef>
+          <a:fillRef idx="1">
+            <a:schemeClr val="accent1"/>
+          </a:fillRef>
+          <a:effectRef idx="0">
+            <a:schemeClr val="accent1"/>
+          </a:effectRef>
+          <a:fontRef idx="minor">
+            <a:schemeClr val="lt1"/>
+          </a:fontRef>
+        </p:style>
+        <p:txBody>
+          <a:bodyPr rtlCol="0" anchor="ctr">
+            <a:normAutofit lnSpcReduction="10000"/>
+          </a:bodyPr>
+          <a:lstStyle/>
+          <a:p>
+            <a:pPr algn="ctr"/>
+            <a:r>
+              <a:rPr lang="de-CH" dirty="0"/>
+              <a:t>Oracle, MSSQL etc…</a:t>
+            </a:r>
+          </a:p>
+        </p:txBody>
+      </p:sp>
+      <p:sp>
+        <p:nvSpPr>
+          <p:cNvPr id="28" name="Rectangle 27">
+            <a:extLst>
+              <a:ext uri="{FF2B5EF4-FFF2-40B4-BE49-F238E27FC236}">
+                <a16:creationId xmlns:a16="http://schemas.microsoft.com/office/drawing/2014/main" id="{6727C530-18F5-4F0C-B490-8AAB66C289A2}"/>
+              </a:ext>
+            </a:extLst>
+          </p:cNvPr>
+          <p:cNvSpPr/>
+          <p:nvPr/>
+        </p:nvSpPr>
+        <p:spPr>
+          <a:xfrm>
+            <a:off x="2094909" y="1283663"/>
+            <a:ext cx="3037086" cy="4384936"/>
+          </a:xfrm>
+          <a:prstGeom prst="rect">
+            <a:avLst/>
+          </a:prstGeom>
+          <a:solidFill>
+            <a:schemeClr val="accent1">
+              <a:lumMod val="20000"/>
+              <a:lumOff val="80000"/>
+              <a:alpha val="50000"/>
+            </a:schemeClr>
+          </a:solidFill>
+          <a:ln w="19050">
+            <a:solidFill>
+              <a:srgbClr val="002060"/>
+            </a:solidFill>
+            <a:prstDash val="dash"/>
+          </a:ln>
+        </p:spPr>
+        <p:style>
+          <a:lnRef idx="0">
+            <a:scrgbClr r="0" g="0" b="0"/>
+          </a:lnRef>
+          <a:fillRef idx="0">
+            <a:scrgbClr r="0" g="0" b="0"/>
+          </a:fillRef>
+          <a:effectRef idx="0">
+            <a:scrgbClr r="0" g="0" b="0"/>
+          </a:effectRef>
+          <a:fontRef idx="minor">
+            <a:schemeClr val="lt1"/>
+          </a:fontRef>
+        </p:style>
+        <p:txBody>
+          <a:bodyPr rtlCol="0" anchor="t" anchorCtr="0">
+            <a:normAutofit/>
+          </a:bodyPr>
           <a:lstStyle/>
           <a:p>
             <a:pPr algn="ctr"/>
@@ -3101,7 +3574,9 @@
           </a:fontRef>
         </p:style>
         <p:txBody>
-          <a:bodyPr rtlCol="0" anchor="b" anchorCtr="0"/>
+          <a:bodyPr rtlCol="0" anchor="b" anchorCtr="0">
+            <a:normAutofit/>
+          </a:bodyPr>
           <a:lstStyle/>
           <a:p>
             <a:pPr algn="ctr"/>
@@ -3109,67 +3584,6 @@
               <a:rPr lang="de-CH" dirty="0"/>
               <a:t>H2 Internal Database </a:t>
             </a:r>
-          </a:p>
-        </p:txBody>
-      </p:sp>
-      <p:sp>
-        <p:nvSpPr>
-          <p:cNvPr id="4" name="Title 3"/>
-          <p:cNvSpPr>
-            <a:spLocks noGrp="1"/>
-          </p:cNvSpPr>
-          <p:nvPr>
-            <p:ph type="title"/>
-          </p:nvPr>
-        </p:nvSpPr>
-        <p:spPr>
-          <a:xfrm>
-            <a:off x="829147" y="184055"/>
-            <a:ext cx="10515600" cy="712237"/>
-          </a:xfrm>
-        </p:spPr>
-        <p:txBody>
-          <a:bodyPr anchor="ctr" anchorCtr="1">
-            <a:normAutofit/>
-          </a:bodyPr>
-          <a:lstStyle/>
-          <a:p>
-            <a:r>
-              <a:rPr lang="de-CH" dirty="0">
-                <a:ln w="0"/>
-                <a:effectLst>
-                  <a:outerShdw blurRad="38100" dist="19050" dir="2700000" algn="tl" rotWithShape="0">
-                    <a:schemeClr val="dk1">
-                      <a:alpha val="40000"/>
-                    </a:schemeClr>
-                  </a:outerShdw>
-                </a:effectLst>
-              </a:rPr>
-              <a:t>EMP Architecture – </a:t>
-            </a:r>
-            <a:r>
-              <a:rPr lang="de-CH" dirty="0" err="1">
-                <a:ln w="0"/>
-                <a:effectLst>
-                  <a:outerShdw blurRad="38100" dist="19050" dir="2700000" algn="tl" rotWithShape="0">
-                    <a:schemeClr val="dk1">
-                      <a:alpha val="40000"/>
-                    </a:schemeClr>
-                  </a:outerShdw>
-                </a:effectLst>
-              </a:rPr>
-              <a:t>Overview</a:t>
-            </a:r>
-            <a:endParaRPr lang="de-CH" dirty="0">
-              <a:ln w="0"/>
-              <a:effectLst>
-                <a:outerShdw blurRad="38100" dist="19050" dir="2700000" algn="tl" rotWithShape="0">
-                  <a:schemeClr val="dk1">
-                    <a:alpha val="40000"/>
-                  </a:schemeClr>
-                </a:outerShdw>
-              </a:effectLst>
-            </a:endParaRPr>
           </a:p>
         </p:txBody>
       </p:sp>
@@ -3216,7 +3630,9 @@
           </a:fontRef>
         </p:style>
         <p:txBody>
-          <a:bodyPr rtlCol="0" anchor="t" anchorCtr="0"/>
+          <a:bodyPr rtlCol="0" anchor="t" anchorCtr="0">
+            <a:normAutofit/>
+          </a:bodyPr>
           <a:lstStyle/>
           <a:p>
             <a:pPr algn="ctr"/>
@@ -3263,7 +3679,9 @@
           </a:fontRef>
         </p:style>
         <p:txBody>
-          <a:bodyPr rtlCol="0" anchor="ctr"/>
+          <a:bodyPr rtlCol="0" anchor="ctr">
+            <a:normAutofit/>
+          </a:bodyPr>
           <a:lstStyle/>
           <a:p>
             <a:pPr algn="ctr"/>
@@ -3292,7 +3710,7 @@
         </p:spPr>
         <p:txBody>
           <a:bodyPr wrap="square" rtlCol="0">
-            <a:spAutoFit/>
+            <a:normAutofit/>
           </a:bodyPr>
           <a:lstStyle/>
           <a:p>
@@ -3345,12 +3763,387 @@
           </a:fontRef>
         </p:style>
       </p:cxnSp>
-      <p:sp>
-        <p:nvSpPr>
-          <p:cNvPr id="33" name="Rectangle 32">
+      <p:cxnSp>
+        <p:nvCxnSpPr>
+          <p:cNvPr id="45" name="Straight Arrow Connector 44">
             <a:extLst>
               <a:ext uri="{FF2B5EF4-FFF2-40B4-BE49-F238E27FC236}">
-                <a16:creationId xmlns:a16="http://schemas.microsoft.com/office/drawing/2014/main" id="{075C009E-81E8-4706-B393-165ED3B8FDF9}"/>
+                <a16:creationId xmlns:a16="http://schemas.microsoft.com/office/drawing/2014/main" id="{C5D23C65-1164-4467-9B57-7C12776DAFB2}"/>
+              </a:ext>
+            </a:extLst>
+          </p:cNvPr>
+          <p:cNvCxnSpPr>
+            <a:cxnSpLocks/>
+            <a:endCxn id="47" idx="1"/>
+          </p:cNvCxnSpPr>
+          <p:nvPr/>
+        </p:nvCxnSpPr>
+        <p:spPr>
+          <a:xfrm flipV="1">
+            <a:off x="4410635" y="1751062"/>
+            <a:ext cx="2724794" cy="938587"/>
+          </a:xfrm>
+          <a:prstGeom prst="straightConnector1">
+            <a:avLst/>
+          </a:prstGeom>
+          <a:ln w="57150">
+            <a:solidFill>
+              <a:schemeClr val="accent1">
+                <a:lumMod val="50000"/>
+              </a:schemeClr>
+            </a:solidFill>
+            <a:tailEnd type="stealth"/>
+          </a:ln>
+        </p:spPr>
+        <p:style>
+          <a:lnRef idx="1">
+            <a:schemeClr val="accent1"/>
+          </a:lnRef>
+          <a:fillRef idx="0">
+            <a:schemeClr val="accent1"/>
+          </a:fillRef>
+          <a:effectRef idx="0">
+            <a:schemeClr val="accent1"/>
+          </a:effectRef>
+          <a:fontRef idx="minor">
+            <a:schemeClr val="tx1"/>
+          </a:fontRef>
+        </p:style>
+      </p:cxnSp>
+      <p:sp>
+        <p:nvSpPr>
+          <p:cNvPr id="11" name="Rectangle 10"/>
+          <p:cNvSpPr/>
+          <p:nvPr/>
+        </p:nvSpPr>
+        <p:spPr>
+          <a:xfrm>
+            <a:off x="2666760" y="2246596"/>
+            <a:ext cx="1916492" cy="819688"/>
+          </a:xfrm>
+          <a:prstGeom prst="rect">
+            <a:avLst/>
+          </a:prstGeom>
+        </p:spPr>
+        <p:style>
+          <a:lnRef idx="2">
+            <a:schemeClr val="accent1">
+              <a:shade val="50000"/>
+            </a:schemeClr>
+          </a:lnRef>
+          <a:fillRef idx="1">
+            <a:schemeClr val="accent1"/>
+          </a:fillRef>
+          <a:effectRef idx="0">
+            <a:schemeClr val="accent1"/>
+          </a:effectRef>
+          <a:fontRef idx="minor">
+            <a:schemeClr val="lt1"/>
+          </a:fontRef>
+        </p:style>
+        <p:txBody>
+          <a:bodyPr rtlCol="0" anchor="ctr">
+            <a:normAutofit/>
+          </a:bodyPr>
+          <a:lstStyle/>
+          <a:p>
+            <a:pPr algn="ctr"/>
+            <a:r>
+              <a:rPr lang="de-CH" dirty="0" err="1"/>
+              <a:t>Theusinator</a:t>
+            </a:r>
+            <a:endParaRPr lang="de-CH" dirty="0"/>
+          </a:p>
+        </p:txBody>
+      </p:sp>
+      <p:sp>
+        <p:nvSpPr>
+          <p:cNvPr id="48" name="TextBox 47">
+            <a:extLst>
+              <a:ext uri="{FF2B5EF4-FFF2-40B4-BE49-F238E27FC236}">
+                <a16:creationId xmlns:a16="http://schemas.microsoft.com/office/drawing/2014/main" id="{AB0D5E27-ED8B-4FA0-84EA-4FC02A7C610C}"/>
+              </a:ext>
+            </a:extLst>
+          </p:cNvPr>
+          <p:cNvSpPr txBox="1"/>
+          <p:nvPr/>
+        </p:nvSpPr>
+        <p:spPr>
+          <a:xfrm rot="20466697">
+            <a:off x="5258145" y="1734004"/>
+            <a:ext cx="1456681" cy="369332"/>
+          </a:xfrm>
+          <a:prstGeom prst="rect">
+            <a:avLst/>
+          </a:prstGeom>
+          <a:noFill/>
+        </p:spPr>
+        <p:txBody>
+          <a:bodyPr wrap="square" rtlCol="0">
+            <a:normAutofit/>
+          </a:bodyPr>
+          <a:lstStyle/>
+          <a:p>
+            <a:r>
+              <a:rPr lang="en-US" sz="900" dirty="0" err="1"/>
+              <a:t>Theusinator</a:t>
+            </a:r>
+            <a:r>
+              <a:rPr lang="en-US" sz="900" dirty="0"/>
+              <a:t> uses the API to fetch monitoring data. </a:t>
+            </a:r>
+          </a:p>
+        </p:txBody>
+      </p:sp>
+      <p:cxnSp>
+        <p:nvCxnSpPr>
+          <p:cNvPr id="49" name="Straight Arrow Connector 48">
+            <a:extLst>
+              <a:ext uri="{FF2B5EF4-FFF2-40B4-BE49-F238E27FC236}">
+                <a16:creationId xmlns:a16="http://schemas.microsoft.com/office/drawing/2014/main" id="{C639E891-D7F4-4841-B71C-E37A2F490092}"/>
+              </a:ext>
+            </a:extLst>
+          </p:cNvPr>
+          <p:cNvCxnSpPr>
+            <a:cxnSpLocks/>
+          </p:cNvCxnSpPr>
+          <p:nvPr/>
+        </p:nvCxnSpPr>
+        <p:spPr>
+          <a:xfrm flipV="1">
+            <a:off x="4407363" y="2260300"/>
+            <a:ext cx="2708789" cy="1444366"/>
+          </a:xfrm>
+          <a:prstGeom prst="straightConnector1">
+            <a:avLst/>
+          </a:prstGeom>
+          <a:ln w="57150">
+            <a:solidFill>
+              <a:schemeClr val="accent1">
+                <a:lumMod val="50000"/>
+              </a:schemeClr>
+            </a:solidFill>
+            <a:tailEnd type="stealth"/>
+          </a:ln>
+        </p:spPr>
+        <p:style>
+          <a:lnRef idx="1">
+            <a:schemeClr val="accent1"/>
+          </a:lnRef>
+          <a:fillRef idx="0">
+            <a:schemeClr val="accent1"/>
+          </a:fillRef>
+          <a:effectRef idx="0">
+            <a:schemeClr val="accent1"/>
+          </a:effectRef>
+          <a:fontRef idx="minor">
+            <a:schemeClr val="tx1"/>
+          </a:fontRef>
+        </p:style>
+      </p:cxnSp>
+      <p:sp>
+        <p:nvSpPr>
+          <p:cNvPr id="50" name="TextBox 49">
+            <a:extLst>
+              <a:ext uri="{FF2B5EF4-FFF2-40B4-BE49-F238E27FC236}">
+                <a16:creationId xmlns:a16="http://schemas.microsoft.com/office/drawing/2014/main" id="{D472C7F3-783C-4BFD-B0D8-389827D5BE54}"/>
+              </a:ext>
+            </a:extLst>
+          </p:cNvPr>
+          <p:cNvSpPr txBox="1"/>
+          <p:nvPr/>
+        </p:nvSpPr>
+        <p:spPr>
+          <a:xfrm rot="19984700">
+            <a:off x="5242847" y="2447379"/>
+            <a:ext cx="1487278" cy="369332"/>
+          </a:xfrm>
+          <a:prstGeom prst="rect">
+            <a:avLst/>
+          </a:prstGeom>
+          <a:noFill/>
+        </p:spPr>
+        <p:txBody>
+          <a:bodyPr wrap="square" rtlCol="0">
+            <a:normAutofit/>
+          </a:bodyPr>
+          <a:lstStyle/>
+          <a:p>
+            <a:r>
+              <a:rPr lang="en-US" sz="900" dirty="0"/>
+              <a:t>SPM widgets fetch status from the database.</a:t>
+            </a:r>
+          </a:p>
+        </p:txBody>
+      </p:sp>
+      <p:cxnSp>
+        <p:nvCxnSpPr>
+          <p:cNvPr id="55" name="Straight Arrow Connector 54">
+            <a:extLst>
+              <a:ext uri="{FF2B5EF4-FFF2-40B4-BE49-F238E27FC236}">
+                <a16:creationId xmlns:a16="http://schemas.microsoft.com/office/drawing/2014/main" id="{6F4C1136-C02F-4B9F-96E9-6E0DE3FD25EA}"/>
+              </a:ext>
+            </a:extLst>
+          </p:cNvPr>
+          <p:cNvCxnSpPr>
+            <a:cxnSpLocks/>
+          </p:cNvCxnSpPr>
+          <p:nvPr/>
+        </p:nvCxnSpPr>
+        <p:spPr>
+          <a:xfrm flipV="1">
+            <a:off x="4491317" y="3321538"/>
+            <a:ext cx="2613461" cy="443307"/>
+          </a:xfrm>
+          <a:prstGeom prst="straightConnector1">
+            <a:avLst/>
+          </a:prstGeom>
+          <a:ln w="57150">
+            <a:solidFill>
+              <a:schemeClr val="accent1">
+                <a:lumMod val="50000"/>
+              </a:schemeClr>
+            </a:solidFill>
+            <a:tailEnd type="stealth"/>
+          </a:ln>
+        </p:spPr>
+        <p:style>
+          <a:lnRef idx="1">
+            <a:schemeClr val="accent1"/>
+          </a:lnRef>
+          <a:fillRef idx="0">
+            <a:schemeClr val="accent1"/>
+          </a:fillRef>
+          <a:effectRef idx="0">
+            <a:schemeClr val="accent1"/>
+          </a:effectRef>
+          <a:fontRef idx="minor">
+            <a:schemeClr val="tx1"/>
+          </a:fontRef>
+        </p:style>
+      </p:cxnSp>
+      <p:cxnSp>
+        <p:nvCxnSpPr>
+          <p:cNvPr id="66" name="Straight Arrow Connector 65">
+            <a:extLst>
+              <a:ext uri="{FF2B5EF4-FFF2-40B4-BE49-F238E27FC236}">
+                <a16:creationId xmlns:a16="http://schemas.microsoft.com/office/drawing/2014/main" id="{3168E01B-31FD-4AB7-B98F-7BF9F336BCDE}"/>
+              </a:ext>
+            </a:extLst>
+          </p:cNvPr>
+          <p:cNvCxnSpPr>
+            <a:cxnSpLocks/>
+          </p:cNvCxnSpPr>
+          <p:nvPr/>
+        </p:nvCxnSpPr>
+        <p:spPr>
+          <a:xfrm>
+            <a:off x="4388086" y="3782298"/>
+            <a:ext cx="2716692" cy="536981"/>
+          </a:xfrm>
+          <a:prstGeom prst="straightConnector1">
+            <a:avLst/>
+          </a:prstGeom>
+          <a:ln w="57150">
+            <a:solidFill>
+              <a:schemeClr val="accent1">
+                <a:lumMod val="50000"/>
+              </a:schemeClr>
+            </a:solidFill>
+            <a:tailEnd type="stealth"/>
+          </a:ln>
+        </p:spPr>
+        <p:style>
+          <a:lnRef idx="1">
+            <a:schemeClr val="accent1"/>
+          </a:lnRef>
+          <a:fillRef idx="0">
+            <a:schemeClr val="accent1"/>
+          </a:fillRef>
+          <a:effectRef idx="0">
+            <a:schemeClr val="accent1"/>
+          </a:effectRef>
+          <a:fontRef idx="minor">
+            <a:schemeClr val="tx1"/>
+          </a:fontRef>
+        </p:style>
+      </p:cxnSp>
+      <p:sp>
+        <p:nvSpPr>
+          <p:cNvPr id="67" name="TextBox 66">
+            <a:extLst>
+              <a:ext uri="{FF2B5EF4-FFF2-40B4-BE49-F238E27FC236}">
+                <a16:creationId xmlns:a16="http://schemas.microsoft.com/office/drawing/2014/main" id="{1491FE6D-D69C-44E3-BDB6-912ECE20D29C}"/>
+              </a:ext>
+            </a:extLst>
+          </p:cNvPr>
+          <p:cNvSpPr txBox="1"/>
+          <p:nvPr/>
+        </p:nvSpPr>
+        <p:spPr>
+          <a:xfrm rot="20981084">
+            <a:off x="5515641" y="3092806"/>
+            <a:ext cx="1348916" cy="369332"/>
+          </a:xfrm>
+          <a:prstGeom prst="rect">
+            <a:avLst/>
+          </a:prstGeom>
+          <a:noFill/>
+        </p:spPr>
+        <p:txBody>
+          <a:bodyPr wrap="square" rtlCol="0">
+            <a:normAutofit/>
+          </a:bodyPr>
+          <a:lstStyle/>
+          <a:p>
+            <a:r>
+              <a:rPr lang="en-US" sz="900" dirty="0"/>
+              <a:t>AWA widget fetch status from the database.</a:t>
+            </a:r>
+          </a:p>
+        </p:txBody>
+      </p:sp>
+      <p:sp>
+        <p:nvSpPr>
+          <p:cNvPr id="31" name="TextBox 30">
+            <a:extLst>
+              <a:ext uri="{FF2B5EF4-FFF2-40B4-BE49-F238E27FC236}">
+                <a16:creationId xmlns:a16="http://schemas.microsoft.com/office/drawing/2014/main" id="{0E65FF12-92E2-42A4-98CD-3C2C7A72339C}"/>
+              </a:ext>
+            </a:extLst>
+          </p:cNvPr>
+          <p:cNvSpPr txBox="1"/>
+          <p:nvPr/>
+        </p:nvSpPr>
+        <p:spPr>
+          <a:xfrm rot="639049">
+            <a:off x="5652278" y="3770261"/>
+            <a:ext cx="1348916" cy="369332"/>
+          </a:xfrm>
+          <a:prstGeom prst="rect">
+            <a:avLst/>
+          </a:prstGeom>
+          <a:noFill/>
+        </p:spPr>
+        <p:txBody>
+          <a:bodyPr wrap="square" rtlCol="0">
+            <a:normAutofit/>
+          </a:bodyPr>
+          <a:lstStyle/>
+          <a:p>
+            <a:r>
+              <a:rPr lang="en-US" sz="900" dirty="0"/>
+              <a:t>Widgets fetch status various databases.</a:t>
+            </a:r>
+          </a:p>
+        </p:txBody>
+      </p:sp>
+      <p:sp>
+        <p:nvSpPr>
+          <p:cNvPr id="34" name="Rectangle 33">
+            <a:extLst>
+              <a:ext uri="{FF2B5EF4-FFF2-40B4-BE49-F238E27FC236}">
+                <a16:creationId xmlns:a16="http://schemas.microsoft.com/office/drawing/2014/main" id="{0C4382A3-7AC4-4391-B77E-E91E68A54B3B}"/>
               </a:ext>
             </a:extLst>
           </p:cNvPr>
@@ -3359,8 +4152,8 @@
         </p:nvSpPr>
         <p:spPr>
           <a:xfrm>
-            <a:off x="6873697" y="1259545"/>
-            <a:ext cx="3037086" cy="1782623"/>
+            <a:off x="6886724" y="4747446"/>
+            <a:ext cx="3037086" cy="1811236"/>
           </a:xfrm>
           <a:prstGeom prst="rect">
             <a:avLst/>
@@ -3394,7 +4187,9 @@
           </a:fontRef>
         </p:style>
         <p:txBody>
-          <a:bodyPr rtlCol="0" anchor="t" anchorCtr="0"/>
+          <a:bodyPr rtlCol="0" anchor="t" anchorCtr="0">
+            <a:normAutofit/>
+          </a:bodyPr>
           <a:lstStyle/>
           <a:p>
             <a:pPr algn="ctr"/>
@@ -3404,17 +4199,17 @@
                   <a:srgbClr val="002060"/>
                 </a:solidFill>
               </a:rPr>
-              <a:t>Silk Performance Manager</a:t>
-            </a:r>
-          </a:p>
-        </p:txBody>
-      </p:sp>
-      <p:sp>
-        <p:nvSpPr>
-          <p:cNvPr id="40" name="Rectangle 39">
+              <a:t>Other Sources …</a:t>
+            </a:r>
+          </a:p>
+        </p:txBody>
+      </p:sp>
+      <p:sp>
+        <p:nvSpPr>
+          <p:cNvPr id="35" name="Rectangle 34">
             <a:extLst>
               <a:ext uri="{FF2B5EF4-FFF2-40B4-BE49-F238E27FC236}">
-                <a16:creationId xmlns:a16="http://schemas.microsoft.com/office/drawing/2014/main" id="{9B4562A6-5C82-461F-A35D-4509F2CD4B0D}"/>
+                <a16:creationId xmlns:a16="http://schemas.microsoft.com/office/drawing/2014/main" id="{427FC4E5-B6C4-4DFD-9097-D5AE417F4EC0}"/>
               </a:ext>
             </a:extLst>
           </p:cNvPr>
@@ -3423,8 +4218,8 @@
         </p:nvSpPr>
         <p:spPr>
           <a:xfrm>
-            <a:off x="7135429" y="2306524"/>
-            <a:ext cx="2513622" cy="478100"/>
+            <a:off x="7148456" y="5106938"/>
+            <a:ext cx="2513622" cy="361678"/>
           </a:xfrm>
           <a:prstGeom prst="rect">
             <a:avLst/>
@@ -3447,36 +4242,141 @@
           </a:fontRef>
         </p:style>
         <p:txBody>
-          <a:bodyPr rtlCol="0" anchor="ctr"/>
+          <a:bodyPr rtlCol="0" anchor="ctr">
+            <a:normAutofit lnSpcReduction="10000"/>
+          </a:bodyPr>
           <a:lstStyle/>
           <a:p>
             <a:pPr algn="ctr"/>
             <a:r>
               <a:rPr lang="de-CH" dirty="0"/>
-              <a:t>Database</a:t>
-            </a:r>
+              <a:t>Prometheus</a:t>
+            </a:r>
+          </a:p>
+        </p:txBody>
+      </p:sp>
+      <p:sp>
+        <p:nvSpPr>
+          <p:cNvPr id="36" name="Rectangle 35">
+            <a:extLst>
+              <a:ext uri="{FF2B5EF4-FFF2-40B4-BE49-F238E27FC236}">
+                <a16:creationId xmlns:a16="http://schemas.microsoft.com/office/drawing/2014/main" id="{6008374D-00C6-47D4-92B8-99D12959F338}"/>
+              </a:ext>
+            </a:extLst>
+          </p:cNvPr>
+          <p:cNvSpPr/>
+          <p:nvPr/>
+        </p:nvSpPr>
+        <p:spPr>
+          <a:xfrm>
+            <a:off x="7148456" y="5567889"/>
+            <a:ext cx="2513622" cy="361678"/>
+          </a:xfrm>
+          <a:prstGeom prst="rect">
+            <a:avLst/>
+          </a:prstGeom>
+        </p:spPr>
+        <p:style>
+          <a:lnRef idx="2">
+            <a:schemeClr val="accent1">
+              <a:shade val="50000"/>
+            </a:schemeClr>
+          </a:lnRef>
+          <a:fillRef idx="1">
+            <a:schemeClr val="accent1"/>
+          </a:fillRef>
+          <a:effectRef idx="0">
+            <a:schemeClr val="accent1"/>
+          </a:effectRef>
+          <a:fontRef idx="minor">
+            <a:schemeClr val="lt1"/>
+          </a:fontRef>
+        </p:style>
+        <p:txBody>
+          <a:bodyPr rtlCol="0" anchor="ctr">
+            <a:normAutofit lnSpcReduction="10000"/>
+          </a:bodyPr>
+          <a:lstStyle/>
+          <a:p>
+            <a:pPr algn="ctr"/>
+            <a:r>
+              <a:rPr lang="de-CH" dirty="0" err="1"/>
+              <a:t>InfluxDB</a:t>
+            </a:r>
+            <a:endParaRPr lang="de-CH" dirty="0"/>
+          </a:p>
+        </p:txBody>
+      </p:sp>
+      <p:sp>
+        <p:nvSpPr>
+          <p:cNvPr id="37" name="Rectangle 36">
+            <a:extLst>
+              <a:ext uri="{FF2B5EF4-FFF2-40B4-BE49-F238E27FC236}">
+                <a16:creationId xmlns:a16="http://schemas.microsoft.com/office/drawing/2014/main" id="{A7B0D9F6-8B2B-4B6A-A96B-F6C72C5D3FDB}"/>
+              </a:ext>
+            </a:extLst>
+          </p:cNvPr>
+          <p:cNvSpPr/>
+          <p:nvPr/>
+        </p:nvSpPr>
+        <p:spPr>
+          <a:xfrm>
+            <a:off x="7148456" y="6053826"/>
+            <a:ext cx="2513622" cy="361678"/>
+          </a:xfrm>
+          <a:prstGeom prst="rect">
+            <a:avLst/>
+          </a:prstGeom>
+        </p:spPr>
+        <p:style>
+          <a:lnRef idx="2">
+            <a:schemeClr val="accent1">
+              <a:shade val="50000"/>
+            </a:schemeClr>
+          </a:lnRef>
+          <a:fillRef idx="1">
+            <a:schemeClr val="accent1"/>
+          </a:fillRef>
+          <a:effectRef idx="0">
+            <a:schemeClr val="accent1"/>
+          </a:effectRef>
+          <a:fontRef idx="minor">
+            <a:schemeClr val="lt1"/>
+          </a:fontRef>
+        </p:style>
+        <p:txBody>
+          <a:bodyPr rtlCol="0" anchor="ctr">
+            <a:normAutofit lnSpcReduction="10000"/>
+          </a:bodyPr>
+          <a:lstStyle/>
+          <a:p>
+            <a:pPr algn="ctr"/>
+            <a:r>
+              <a:rPr lang="de-CH" dirty="0" err="1"/>
+              <a:t>Dynatrace</a:t>
+            </a:r>
+            <a:endParaRPr lang="de-CH" dirty="0"/>
           </a:p>
         </p:txBody>
       </p:sp>
       <p:cxnSp>
         <p:nvCxnSpPr>
-          <p:cNvPr id="45" name="Straight Arrow Connector 44">
+          <p:cNvPr id="38" name="Straight Arrow Connector 37">
             <a:extLst>
               <a:ext uri="{FF2B5EF4-FFF2-40B4-BE49-F238E27FC236}">
-                <a16:creationId xmlns:a16="http://schemas.microsoft.com/office/drawing/2014/main" id="{C5D23C65-1164-4467-9B57-7C12776DAFB2}"/>
+                <a16:creationId xmlns:a16="http://schemas.microsoft.com/office/drawing/2014/main" id="{994B741A-F74D-4D88-BCFC-12A213CF2C45}"/>
               </a:ext>
             </a:extLst>
           </p:cNvPr>
           <p:cNvCxnSpPr>
             <a:cxnSpLocks/>
-            <a:endCxn id="47" idx="1"/>
           </p:cNvCxnSpPr>
           <p:nvPr/>
         </p:nvCxnSpPr>
         <p:spPr>
-          <a:xfrm flipV="1">
-            <a:off x="4410635" y="1909277"/>
-            <a:ext cx="2724794" cy="780371"/>
+          <a:xfrm>
+            <a:off x="4540486" y="3934698"/>
+            <a:ext cx="2312835" cy="1727009"/>
           </a:xfrm>
           <a:prstGeom prst="straightConnector1">
             <a:avLst/>
@@ -3507,103 +4407,10 @@
       </p:cxnSp>
       <p:sp>
         <p:nvSpPr>
-          <p:cNvPr id="47" name="Rectangle 46">
+          <p:cNvPr id="39" name="TextBox 38">
             <a:extLst>
               <a:ext uri="{FF2B5EF4-FFF2-40B4-BE49-F238E27FC236}">
-                <a16:creationId xmlns:a16="http://schemas.microsoft.com/office/drawing/2014/main" id="{9646A5C9-9F10-4A3B-984F-86348D171E44}"/>
-              </a:ext>
-            </a:extLst>
-          </p:cNvPr>
-          <p:cNvSpPr/>
-          <p:nvPr/>
-        </p:nvSpPr>
-        <p:spPr>
-          <a:xfrm>
-            <a:off x="7135429" y="1670227"/>
-            <a:ext cx="2513622" cy="478100"/>
-          </a:xfrm>
-          <a:prstGeom prst="rect">
-            <a:avLst/>
-          </a:prstGeom>
-        </p:spPr>
-        <p:style>
-          <a:lnRef idx="2">
-            <a:schemeClr val="accent1">
-              <a:shade val="50000"/>
-            </a:schemeClr>
-          </a:lnRef>
-          <a:fillRef idx="1">
-            <a:schemeClr val="accent1"/>
-          </a:fillRef>
-          <a:effectRef idx="0">
-            <a:schemeClr val="accent1"/>
-          </a:effectRef>
-          <a:fontRef idx="minor">
-            <a:schemeClr val="lt1"/>
-          </a:fontRef>
-        </p:style>
-        <p:txBody>
-          <a:bodyPr rtlCol="0" anchor="ctr"/>
-          <a:lstStyle/>
-          <a:p>
-            <a:pPr algn="ctr"/>
-            <a:r>
-              <a:rPr lang="de-CH" dirty="0"/>
-              <a:t>Web API</a:t>
-            </a:r>
-          </a:p>
-        </p:txBody>
-      </p:sp>
-      <p:sp>
-        <p:nvSpPr>
-          <p:cNvPr id="11" name="Rectangle 10"/>
-          <p:cNvSpPr/>
-          <p:nvPr/>
-        </p:nvSpPr>
-        <p:spPr>
-          <a:xfrm>
-            <a:off x="2666760" y="2246596"/>
-            <a:ext cx="1916492" cy="819688"/>
-          </a:xfrm>
-          <a:prstGeom prst="rect">
-            <a:avLst/>
-          </a:prstGeom>
-        </p:spPr>
-        <p:style>
-          <a:lnRef idx="2">
-            <a:schemeClr val="accent1">
-              <a:shade val="50000"/>
-            </a:schemeClr>
-          </a:lnRef>
-          <a:fillRef idx="1">
-            <a:schemeClr val="accent1"/>
-          </a:fillRef>
-          <a:effectRef idx="0">
-            <a:schemeClr val="accent1"/>
-          </a:effectRef>
-          <a:fontRef idx="minor">
-            <a:schemeClr val="lt1"/>
-          </a:fontRef>
-        </p:style>
-        <p:txBody>
-          <a:bodyPr rtlCol="0" anchor="ctr"/>
-          <a:lstStyle/>
-          <a:p>
-            <a:pPr algn="ctr"/>
-            <a:r>
-              <a:rPr lang="de-CH" dirty="0" err="1"/>
-              <a:t>Theusinator</a:t>
-            </a:r>
-            <a:endParaRPr lang="de-CH" dirty="0"/>
-          </a:p>
-        </p:txBody>
-      </p:sp>
-      <p:sp>
-        <p:nvSpPr>
-          <p:cNvPr id="48" name="TextBox 47">
-            <a:extLst>
-              <a:ext uri="{FF2B5EF4-FFF2-40B4-BE49-F238E27FC236}">
-                <a16:creationId xmlns:a16="http://schemas.microsoft.com/office/drawing/2014/main" id="{AB0D5E27-ED8B-4FA0-84EA-4FC02A7C610C}"/>
+                <a16:creationId xmlns:a16="http://schemas.microsoft.com/office/drawing/2014/main" id="{7C0210C0-D8D5-4B1F-812D-87B1008910C5}"/>
               </a:ext>
             </a:extLst>
           </p:cNvPr>
@@ -3611,9 +4418,9 @@
           <p:nvPr/>
         </p:nvSpPr>
         <p:spPr>
-          <a:xfrm rot="20650245">
-            <a:off x="5306232" y="1822556"/>
-            <a:ext cx="1456681" cy="369332"/>
+          <a:xfrm rot="2253469">
+            <a:off x="5505108" y="4665456"/>
+            <a:ext cx="1348916" cy="369332"/>
           </a:xfrm>
           <a:prstGeom prst="rect">
             <a:avLst/>
@@ -3622,420 +4429,17 @@
         </p:spPr>
         <p:txBody>
           <a:bodyPr wrap="square" rtlCol="0">
-            <a:spAutoFit/>
+            <a:normAutofit/>
           </a:bodyPr>
           <a:lstStyle/>
           <a:p>
             <a:r>
-              <a:rPr lang="en-US" sz="900" dirty="0" err="1"/>
-              <a:t>Theusinator</a:t>
-            </a:r>
-            <a:r>
               <a:rPr lang="en-US" sz="900" dirty="0"/>
-              <a:t> uses the API to fetch monitoring data. </a:t>
-            </a:r>
-          </a:p>
-        </p:txBody>
-      </p:sp>
-      <p:cxnSp>
-        <p:nvCxnSpPr>
-          <p:cNvPr id="49" name="Straight Arrow Connector 48">
-            <a:extLst>
-              <a:ext uri="{FF2B5EF4-FFF2-40B4-BE49-F238E27FC236}">
-                <a16:creationId xmlns:a16="http://schemas.microsoft.com/office/drawing/2014/main" id="{C639E891-D7F4-4841-B71C-E37A2F490092}"/>
-              </a:ext>
-            </a:extLst>
-          </p:cNvPr>
-          <p:cNvCxnSpPr>
-            <a:cxnSpLocks/>
-          </p:cNvCxnSpPr>
-          <p:nvPr/>
-        </p:nvCxnSpPr>
-        <p:spPr>
-          <a:xfrm flipV="1">
-            <a:off x="4407363" y="2528006"/>
-            <a:ext cx="2728066" cy="1176660"/>
-          </a:xfrm>
-          <a:prstGeom prst="straightConnector1">
-            <a:avLst/>
-          </a:prstGeom>
-          <a:ln w="57150">
-            <a:solidFill>
-              <a:schemeClr val="accent1">
-                <a:lumMod val="50000"/>
-              </a:schemeClr>
-            </a:solidFill>
-            <a:tailEnd type="stealth"/>
-          </a:ln>
-        </p:spPr>
-        <p:style>
-          <a:lnRef idx="1">
-            <a:schemeClr val="accent1"/>
-          </a:lnRef>
-          <a:fillRef idx="0">
-            <a:schemeClr val="accent1"/>
-          </a:fillRef>
-          <a:effectRef idx="0">
-            <a:schemeClr val="accent1"/>
-          </a:effectRef>
-          <a:fontRef idx="minor">
-            <a:schemeClr val="tx1"/>
-          </a:fontRef>
-        </p:style>
-      </p:cxnSp>
-      <p:sp>
-        <p:nvSpPr>
-          <p:cNvPr id="50" name="TextBox 49">
-            <a:extLst>
-              <a:ext uri="{FF2B5EF4-FFF2-40B4-BE49-F238E27FC236}">
-                <a16:creationId xmlns:a16="http://schemas.microsoft.com/office/drawing/2014/main" id="{D472C7F3-783C-4BFD-B0D8-389827D5BE54}"/>
-              </a:ext>
-            </a:extLst>
-          </p:cNvPr>
-          <p:cNvSpPr txBox="1"/>
-          <p:nvPr/>
-        </p:nvSpPr>
-        <p:spPr>
-          <a:xfrm rot="20210561">
-            <a:off x="5279625" y="2601128"/>
-            <a:ext cx="1487278" cy="369332"/>
-          </a:xfrm>
-          <a:prstGeom prst="rect">
-            <a:avLst/>
-          </a:prstGeom>
-          <a:noFill/>
-        </p:spPr>
-        <p:txBody>
-          <a:bodyPr wrap="square" rtlCol="0">
-            <a:spAutoFit/>
-          </a:bodyPr>
-          <a:lstStyle/>
-          <a:p>
-            <a:r>
-              <a:rPr lang="en-US" sz="900" dirty="0"/>
-              <a:t>SPM widgets fetch status from the database.</a:t>
-            </a:r>
-          </a:p>
-        </p:txBody>
-      </p:sp>
-      <p:sp>
-        <p:nvSpPr>
-          <p:cNvPr id="52" name="Rectangle 51">
-            <a:extLst>
-              <a:ext uri="{FF2B5EF4-FFF2-40B4-BE49-F238E27FC236}">
-                <a16:creationId xmlns:a16="http://schemas.microsoft.com/office/drawing/2014/main" id="{817DD608-36DF-4173-BB04-AF83A1FF79AF}"/>
-              </a:ext>
-            </a:extLst>
-          </p:cNvPr>
-          <p:cNvSpPr/>
-          <p:nvPr/>
-        </p:nvSpPr>
-        <p:spPr>
-          <a:xfrm>
-            <a:off x="6873697" y="3291456"/>
-            <a:ext cx="3037086" cy="1074302"/>
-          </a:xfrm>
-          <a:prstGeom prst="rect">
-            <a:avLst/>
-          </a:prstGeom>
-          <a:solidFill>
-            <a:schemeClr val="accent1">
-              <a:lumMod val="20000"/>
-              <a:lumOff val="80000"/>
-              <a:alpha val="50000"/>
-            </a:schemeClr>
-          </a:solidFill>
-          <a:ln w="19050">
-            <a:solidFill>
-              <a:srgbClr val="002060"/>
-            </a:solidFill>
-            <a:prstDash val="dash"/>
-          </a:ln>
-        </p:spPr>
-        <p:style>
-          <a:lnRef idx="0">
-            <a:scrgbClr r="0" g="0" b="0"/>
-          </a:lnRef>
-          <a:fillRef idx="0">
-            <a:scrgbClr r="0" g="0" b="0"/>
-          </a:fillRef>
-          <a:effectRef idx="0">
-            <a:scrgbClr r="0" g="0" b="0"/>
-          </a:effectRef>
-          <a:fontRef idx="minor">
-            <a:schemeClr val="lt1"/>
-          </a:fontRef>
-        </p:style>
-        <p:txBody>
-          <a:bodyPr rtlCol="0" anchor="t" anchorCtr="0"/>
-          <a:lstStyle/>
-          <a:p>
-            <a:pPr algn="ctr"/>
-            <a:r>
-              <a:rPr lang="de-CH" dirty="0">
-                <a:solidFill>
-                  <a:srgbClr val="002060"/>
-                </a:solidFill>
-              </a:rPr>
-              <a:t>AWA</a:t>
-            </a:r>
-          </a:p>
-        </p:txBody>
-      </p:sp>
-      <p:sp>
-        <p:nvSpPr>
-          <p:cNvPr id="53" name="Rectangle 52">
-            <a:extLst>
-              <a:ext uri="{FF2B5EF4-FFF2-40B4-BE49-F238E27FC236}">
-                <a16:creationId xmlns:a16="http://schemas.microsoft.com/office/drawing/2014/main" id="{5C9C89D4-7460-4E41-91BB-1A69DAD6193B}"/>
-              </a:ext>
-            </a:extLst>
-          </p:cNvPr>
-          <p:cNvSpPr/>
-          <p:nvPr/>
-        </p:nvSpPr>
-        <p:spPr>
-          <a:xfrm>
-            <a:off x="7135429" y="3704666"/>
-            <a:ext cx="2513622" cy="478100"/>
-          </a:xfrm>
-          <a:prstGeom prst="rect">
-            <a:avLst/>
-          </a:prstGeom>
-        </p:spPr>
-        <p:style>
-          <a:lnRef idx="2">
-            <a:schemeClr val="accent1">
-              <a:shade val="50000"/>
-            </a:schemeClr>
-          </a:lnRef>
-          <a:fillRef idx="1">
-            <a:schemeClr val="accent1"/>
-          </a:fillRef>
-          <a:effectRef idx="0">
-            <a:schemeClr val="accent1"/>
-          </a:effectRef>
-          <a:fontRef idx="minor">
-            <a:schemeClr val="lt1"/>
-          </a:fontRef>
-        </p:style>
-        <p:txBody>
-          <a:bodyPr rtlCol="0" anchor="ctr"/>
-          <a:lstStyle/>
-          <a:p>
-            <a:pPr algn="ctr"/>
-            <a:r>
-              <a:rPr lang="de-CH" dirty="0"/>
-              <a:t>Database</a:t>
-            </a:r>
-          </a:p>
-        </p:txBody>
-      </p:sp>
-      <p:cxnSp>
-        <p:nvCxnSpPr>
-          <p:cNvPr id="55" name="Straight Arrow Connector 54">
-            <a:extLst>
-              <a:ext uri="{FF2B5EF4-FFF2-40B4-BE49-F238E27FC236}">
-                <a16:creationId xmlns:a16="http://schemas.microsoft.com/office/drawing/2014/main" id="{6F4C1136-C02F-4B9F-96E9-6E0DE3FD25EA}"/>
-              </a:ext>
-            </a:extLst>
-          </p:cNvPr>
-          <p:cNvCxnSpPr>
-            <a:cxnSpLocks/>
-          </p:cNvCxnSpPr>
-          <p:nvPr/>
-        </p:nvCxnSpPr>
-        <p:spPr>
-          <a:xfrm>
-            <a:off x="4491317" y="3764845"/>
-            <a:ext cx="2624835" cy="159533"/>
-          </a:xfrm>
-          <a:prstGeom prst="straightConnector1">
-            <a:avLst/>
-          </a:prstGeom>
-          <a:ln w="57150">
-            <a:solidFill>
-              <a:schemeClr val="accent1">
-                <a:lumMod val="50000"/>
-              </a:schemeClr>
-            </a:solidFill>
-            <a:tailEnd type="stealth"/>
-          </a:ln>
-        </p:spPr>
-        <p:style>
-          <a:lnRef idx="1">
-            <a:schemeClr val="accent1"/>
-          </a:lnRef>
-          <a:fillRef idx="0">
-            <a:schemeClr val="accent1"/>
-          </a:fillRef>
-          <a:effectRef idx="0">
-            <a:schemeClr val="accent1"/>
-          </a:effectRef>
-          <a:fontRef idx="minor">
-            <a:schemeClr val="tx1"/>
-          </a:fontRef>
-        </p:style>
-      </p:cxnSp>
-      <p:sp>
-        <p:nvSpPr>
-          <p:cNvPr id="61" name="Rectangle 60">
-            <a:extLst>
-              <a:ext uri="{FF2B5EF4-FFF2-40B4-BE49-F238E27FC236}">
-                <a16:creationId xmlns:a16="http://schemas.microsoft.com/office/drawing/2014/main" id="{E5A872CC-2677-487D-BBE9-951B9DA1A7DA}"/>
-              </a:ext>
-            </a:extLst>
-          </p:cNvPr>
-          <p:cNvSpPr/>
-          <p:nvPr/>
-        </p:nvSpPr>
-        <p:spPr>
-          <a:xfrm>
-            <a:off x="6873697" y="4594296"/>
-            <a:ext cx="3037086" cy="1074302"/>
-          </a:xfrm>
-          <a:prstGeom prst="rect">
-            <a:avLst/>
-          </a:prstGeom>
-          <a:solidFill>
-            <a:schemeClr val="accent1">
-              <a:lumMod val="20000"/>
-              <a:lumOff val="80000"/>
-              <a:alpha val="50000"/>
-            </a:schemeClr>
-          </a:solidFill>
-          <a:ln w="19050">
-            <a:solidFill>
-              <a:srgbClr val="002060"/>
-            </a:solidFill>
-            <a:prstDash val="dash"/>
-          </a:ln>
-        </p:spPr>
-        <p:style>
-          <a:lnRef idx="0">
-            <a:scrgbClr r="0" g="0" b="0"/>
-          </a:lnRef>
-          <a:fillRef idx="0">
-            <a:scrgbClr r="0" g="0" b="0"/>
-          </a:fillRef>
-          <a:effectRef idx="0">
-            <a:scrgbClr r="0" g="0" b="0"/>
-          </a:effectRef>
-          <a:fontRef idx="minor">
-            <a:schemeClr val="lt1"/>
-          </a:fontRef>
-        </p:style>
-        <p:txBody>
-          <a:bodyPr rtlCol="0" anchor="t" anchorCtr="0"/>
-          <a:lstStyle/>
-          <a:p>
-            <a:pPr algn="ctr"/>
-            <a:r>
-              <a:rPr lang="de-CH" dirty="0">
-                <a:solidFill>
-                  <a:srgbClr val="002060"/>
-                </a:solidFill>
-              </a:rPr>
-              <a:t>Future Data Access…</a:t>
-            </a:r>
-          </a:p>
-        </p:txBody>
-      </p:sp>
-      <p:sp>
-        <p:nvSpPr>
-          <p:cNvPr id="62" name="Rectangle 61">
-            <a:extLst>
-              <a:ext uri="{FF2B5EF4-FFF2-40B4-BE49-F238E27FC236}">
-                <a16:creationId xmlns:a16="http://schemas.microsoft.com/office/drawing/2014/main" id="{C149C0C9-EEB0-4C61-B8A6-4AD4825D47C4}"/>
-              </a:ext>
-            </a:extLst>
-          </p:cNvPr>
-          <p:cNvSpPr/>
-          <p:nvPr/>
-        </p:nvSpPr>
-        <p:spPr>
-          <a:xfrm>
-            <a:off x="7135429" y="5007506"/>
-            <a:ext cx="2513622" cy="478100"/>
-          </a:xfrm>
-          <a:prstGeom prst="rect">
-            <a:avLst/>
-          </a:prstGeom>
-        </p:spPr>
-        <p:style>
-          <a:lnRef idx="2">
-            <a:schemeClr val="accent1">
-              <a:shade val="50000"/>
-            </a:schemeClr>
-          </a:lnRef>
-          <a:fillRef idx="1">
-            <a:schemeClr val="accent1"/>
-          </a:fillRef>
-          <a:effectRef idx="0">
-            <a:schemeClr val="accent1"/>
-          </a:effectRef>
-          <a:fontRef idx="minor">
-            <a:schemeClr val="lt1"/>
-          </a:fontRef>
-        </p:style>
-        <p:txBody>
-          <a:bodyPr rtlCol="0" anchor="ctr"/>
-          <a:lstStyle/>
-          <a:p>
-            <a:pPr algn="ctr"/>
-            <a:r>
-              <a:rPr lang="de-CH" dirty="0"/>
-              <a:t>DBs, API etc…</a:t>
-            </a:r>
-          </a:p>
-        </p:txBody>
-      </p:sp>
-      <p:cxnSp>
-        <p:nvCxnSpPr>
-          <p:cNvPr id="66" name="Straight Arrow Connector 65">
-            <a:extLst>
-              <a:ext uri="{FF2B5EF4-FFF2-40B4-BE49-F238E27FC236}">
-                <a16:creationId xmlns:a16="http://schemas.microsoft.com/office/drawing/2014/main" id="{3168E01B-31FD-4AB7-B98F-7BF9F336BCDE}"/>
-              </a:ext>
-            </a:extLst>
-          </p:cNvPr>
-          <p:cNvCxnSpPr>
-            <a:cxnSpLocks/>
-          </p:cNvCxnSpPr>
-          <p:nvPr/>
-        </p:nvCxnSpPr>
-        <p:spPr>
-          <a:xfrm>
-            <a:off x="4388086" y="3782298"/>
-            <a:ext cx="2728066" cy="1444366"/>
-          </a:xfrm>
-          <a:prstGeom prst="straightConnector1">
-            <a:avLst/>
-          </a:prstGeom>
-          <a:ln w="57150">
-            <a:solidFill>
-              <a:schemeClr val="accent1">
-                <a:lumMod val="50000"/>
-              </a:schemeClr>
-            </a:solidFill>
-            <a:tailEnd type="stealth"/>
-          </a:ln>
-        </p:spPr>
-        <p:style>
-          <a:lnRef idx="1">
-            <a:schemeClr val="accent1"/>
-          </a:lnRef>
-          <a:fillRef idx="0">
-            <a:schemeClr val="accent1"/>
-          </a:fillRef>
-          <a:effectRef idx="0">
-            <a:schemeClr val="accent1"/>
-          </a:effectRef>
-          <a:fontRef idx="minor">
-            <a:schemeClr val="tx1"/>
-          </a:fontRef>
-        </p:style>
-      </p:cxnSp>
+              <a:t>Widgets fetch data from other monitoring tools</a:t>
+            </a:r>
+          </a:p>
+        </p:txBody>
+      </p:sp>
       <p:sp>
         <p:nvSpPr>
           <p:cNvPr id="32" name="Rectangle 31">
@@ -4074,48 +4478,15 @@
           </a:fontRef>
         </p:style>
         <p:txBody>
-          <a:bodyPr rtlCol="0" anchor="ctr"/>
+          <a:bodyPr rtlCol="0" anchor="ctr">
+            <a:normAutofit/>
+          </a:bodyPr>
           <a:lstStyle/>
           <a:p>
             <a:pPr algn="ctr"/>
             <a:r>
               <a:rPr lang="de-CH" sz="1600" dirty="0"/>
               <a:t>Custom Dashboard Widgets</a:t>
-            </a:r>
-          </a:p>
-        </p:txBody>
-      </p:sp>
-      <p:sp>
-        <p:nvSpPr>
-          <p:cNvPr id="67" name="TextBox 66">
-            <a:extLst>
-              <a:ext uri="{FF2B5EF4-FFF2-40B4-BE49-F238E27FC236}">
-                <a16:creationId xmlns:a16="http://schemas.microsoft.com/office/drawing/2014/main" id="{1491FE6D-D69C-44E3-BDB6-912ECE20D29C}"/>
-              </a:ext>
-            </a:extLst>
-          </p:cNvPr>
-          <p:cNvSpPr txBox="1"/>
-          <p:nvPr/>
-        </p:nvSpPr>
-        <p:spPr>
-          <a:xfrm rot="212843">
-            <a:off x="5402212" y="3473669"/>
-            <a:ext cx="1348916" cy="369332"/>
-          </a:xfrm>
-          <a:prstGeom prst="rect">
-            <a:avLst/>
-          </a:prstGeom>
-          <a:noFill/>
-        </p:spPr>
-        <p:txBody>
-          <a:bodyPr wrap="square" rtlCol="0">
-            <a:spAutoFit/>
-          </a:bodyPr>
-          <a:lstStyle/>
-          <a:p>
-            <a:r>
-              <a:rPr lang="en-US" sz="900" dirty="0"/>
-              <a:t>AWA widget fetch status from the database.</a:t>
             </a:r>
           </a:p>
         </p:txBody>

--- a/EngineeredMonitoringPlatform/docs/EMP_Architecture.pptx
+++ b/EngineeredMonitoringPlatform/docs/EMP_Architecture.pptx
@@ -7,6 +7,8 @@
   <p:sldIdLst>
     <p:sldId id="256" r:id="rId2"/>
     <p:sldId id="259" r:id="rId3"/>
+    <p:sldId id="260" r:id="rId4"/>
+    <p:sldId id="261" r:id="rId5"/>
   </p:sldIdLst>
   <p:sldSz cx="12192000" cy="6858000"/>
   <p:notesSz cx="6858000" cy="9144000"/>
@@ -5967,6 +5969,1793 @@
 </p:sld>
 </file>
 
+<file path=ppt/slides/slide3.xml><?xml version="1.0" encoding="utf-8"?>
+<p:sld xmlns:a="http://schemas.openxmlformats.org/drawingml/2006/main" xmlns:r="http://schemas.openxmlformats.org/officeDocument/2006/relationships" xmlns:p="http://schemas.openxmlformats.org/presentationml/2006/main">
+  <p:cSld>
+    <p:spTree>
+      <p:nvGrpSpPr>
+        <p:cNvPr id="1" name=""/>
+        <p:cNvGrpSpPr/>
+        <p:nvPr/>
+      </p:nvGrpSpPr>
+      <p:grpSpPr>
+        <a:xfrm>
+          <a:off x="0" y="0"/>
+          <a:ext cx="0" cy="0"/>
+          <a:chOff x="0" y="0"/>
+          <a:chExt cx="0" cy="0"/>
+        </a:xfrm>
+      </p:grpSpPr>
+      <p:sp>
+        <p:nvSpPr>
+          <p:cNvPr id="19" name="Rectangle 18">
+            <a:extLst>
+              <a:ext uri="{FF2B5EF4-FFF2-40B4-BE49-F238E27FC236}">
+                <a16:creationId xmlns:a16="http://schemas.microsoft.com/office/drawing/2014/main" id="{5C2BA868-7F6E-44E9-B83E-738A45B032D1}"/>
+              </a:ext>
+            </a:extLst>
+          </p:cNvPr>
+          <p:cNvSpPr/>
+          <p:nvPr/>
+        </p:nvSpPr>
+        <p:spPr>
+          <a:xfrm>
+            <a:off x="4751754" y="1503888"/>
+            <a:ext cx="5911917" cy="4263866"/>
+          </a:xfrm>
+          <a:prstGeom prst="rect">
+            <a:avLst/>
+          </a:prstGeom>
+          <a:solidFill>
+            <a:schemeClr val="accent1">
+              <a:lumMod val="20000"/>
+              <a:lumOff val="80000"/>
+              <a:alpha val="50000"/>
+            </a:schemeClr>
+          </a:solidFill>
+          <a:ln w="19050">
+            <a:solidFill>
+              <a:srgbClr val="002060"/>
+            </a:solidFill>
+            <a:prstDash val="dash"/>
+          </a:ln>
+        </p:spPr>
+        <p:style>
+          <a:lnRef idx="0">
+            <a:scrgbClr r="0" g="0" b="0"/>
+          </a:lnRef>
+          <a:fillRef idx="0">
+            <a:scrgbClr r="0" g="0" b="0"/>
+          </a:fillRef>
+          <a:effectRef idx="0">
+            <a:scrgbClr r="0" g="0" b="0"/>
+          </a:effectRef>
+          <a:fontRef idx="minor">
+            <a:schemeClr val="lt1"/>
+          </a:fontRef>
+        </p:style>
+        <p:txBody>
+          <a:bodyPr rtlCol="0" anchor="t" anchorCtr="0">
+            <a:normAutofit/>
+          </a:bodyPr>
+          <a:lstStyle/>
+          <a:p>
+            <a:pPr algn="ctr"/>
+            <a:r>
+              <a:rPr lang="de-CH" dirty="0">
+                <a:solidFill>
+                  <a:srgbClr val="002060"/>
+                </a:solidFill>
+              </a:rPr>
+              <a:t>Other Hosts</a:t>
+            </a:r>
+          </a:p>
+        </p:txBody>
+      </p:sp>
+      <p:sp>
+        <p:nvSpPr>
+          <p:cNvPr id="15" name="Rectangle 14">
+            <a:extLst>
+              <a:ext uri="{FF2B5EF4-FFF2-40B4-BE49-F238E27FC236}">
+                <a16:creationId xmlns:a16="http://schemas.microsoft.com/office/drawing/2014/main" id="{C8644042-B4A5-4113-B335-8559B924EBB8}"/>
+              </a:ext>
+            </a:extLst>
+          </p:cNvPr>
+          <p:cNvSpPr/>
+          <p:nvPr/>
+        </p:nvSpPr>
+        <p:spPr>
+          <a:xfrm>
+            <a:off x="2025643" y="1503888"/>
+            <a:ext cx="1474806" cy="4263856"/>
+          </a:xfrm>
+          <a:prstGeom prst="rect">
+            <a:avLst/>
+          </a:prstGeom>
+          <a:solidFill>
+            <a:schemeClr val="accent1">
+              <a:lumMod val="20000"/>
+              <a:lumOff val="80000"/>
+              <a:alpha val="50000"/>
+            </a:schemeClr>
+          </a:solidFill>
+          <a:ln w="19050">
+            <a:solidFill>
+              <a:srgbClr val="002060"/>
+            </a:solidFill>
+            <a:prstDash val="dash"/>
+          </a:ln>
+        </p:spPr>
+        <p:style>
+          <a:lnRef idx="0">
+            <a:scrgbClr r="0" g="0" b="0"/>
+          </a:lnRef>
+          <a:fillRef idx="0">
+            <a:scrgbClr r="0" g="0" b="0"/>
+          </a:fillRef>
+          <a:effectRef idx="0">
+            <a:scrgbClr r="0" g="0" b="0"/>
+          </a:effectRef>
+          <a:fontRef idx="minor">
+            <a:schemeClr val="lt1"/>
+          </a:fontRef>
+        </p:style>
+        <p:txBody>
+          <a:bodyPr rtlCol="0" anchor="t" anchorCtr="0">
+            <a:normAutofit/>
+          </a:bodyPr>
+          <a:lstStyle/>
+          <a:p>
+            <a:pPr algn="ctr"/>
+            <a:r>
+              <a:rPr lang="de-CH" dirty="0">
+                <a:solidFill>
+                  <a:srgbClr val="002060"/>
+                </a:solidFill>
+              </a:rPr>
+              <a:t>EMP Server</a:t>
+            </a:r>
+          </a:p>
+        </p:txBody>
+      </p:sp>
+      <p:sp>
+        <p:nvSpPr>
+          <p:cNvPr id="2" name="Title 1">
+            <a:extLst>
+              <a:ext uri="{FF2B5EF4-FFF2-40B4-BE49-F238E27FC236}">
+                <a16:creationId xmlns:a16="http://schemas.microsoft.com/office/drawing/2014/main" id="{7FDF5D74-9003-4180-8598-002CF8BEB192}"/>
+              </a:ext>
+            </a:extLst>
+          </p:cNvPr>
+          <p:cNvSpPr>
+            <a:spLocks noGrp="1"/>
+          </p:cNvSpPr>
+          <p:nvPr>
+            <p:ph type="title"/>
+          </p:nvPr>
+        </p:nvSpPr>
+        <p:spPr/>
+        <p:txBody>
+          <a:bodyPr/>
+          <a:lstStyle/>
+          <a:p>
+            <a:r>
+              <a:rPr lang="en-US" dirty="0"/>
+              <a:t>EMP Infrastructure - Standalone</a:t>
+            </a:r>
+            <a:endParaRPr lang="LID4096" dirty="0"/>
+          </a:p>
+        </p:txBody>
+      </p:sp>
+      <p:pic>
+        <p:nvPicPr>
+          <p:cNvPr id="5" name="Picture 4">
+            <a:extLst>
+              <a:ext uri="{FF2B5EF4-FFF2-40B4-BE49-F238E27FC236}">
+                <a16:creationId xmlns:a16="http://schemas.microsoft.com/office/drawing/2014/main" id="{9612470C-D671-4979-92D1-08FB3D4A99E8}"/>
+              </a:ext>
+            </a:extLst>
+          </p:cNvPr>
+          <p:cNvPicPr>
+            <a:picLocks noChangeAspect="1"/>
+          </p:cNvPicPr>
+          <p:nvPr/>
+        </p:nvPicPr>
+        <p:blipFill>
+          <a:blip r:embed="rId2" cstate="print">
+            <a:extLst>
+              <a:ext uri="{28A0092B-C50C-407E-A947-70E740481C1C}">
+                <a14:useLocalDpi xmlns:a14="http://schemas.microsoft.com/office/drawing/2010/main" val="0"/>
+              </a:ext>
+            </a:extLst>
+          </a:blip>
+          <a:stretch>
+            <a:fillRect/>
+          </a:stretch>
+        </p:blipFill>
+        <p:spPr>
+          <a:xfrm>
+            <a:off x="2437063" y="2435699"/>
+            <a:ext cx="681275" cy="686639"/>
+          </a:xfrm>
+          <a:prstGeom prst="rect">
+            <a:avLst/>
+          </a:prstGeom>
+        </p:spPr>
+      </p:pic>
+      <p:pic>
+        <p:nvPicPr>
+          <p:cNvPr id="7" name="Graphic 6">
+            <a:extLst>
+              <a:ext uri="{FF2B5EF4-FFF2-40B4-BE49-F238E27FC236}">
+                <a16:creationId xmlns:a16="http://schemas.microsoft.com/office/drawing/2014/main" id="{3B2405E8-6A2F-4132-840C-BE215E259645}"/>
+              </a:ext>
+            </a:extLst>
+          </p:cNvPr>
+          <p:cNvPicPr>
+            <a:picLocks noChangeAspect="1"/>
+          </p:cNvPicPr>
+          <p:nvPr/>
+        </p:nvPicPr>
+        <p:blipFill>
+          <a:blip r:embed="rId3" cstate="print">
+            <a:extLst>
+              <a:ext uri="{28A0092B-C50C-407E-A947-70E740481C1C}">
+                <a14:useLocalDpi xmlns:a14="http://schemas.microsoft.com/office/drawing/2010/main" val="0"/>
+              </a:ext>
+              <a:ext uri="{96DAC541-7B7A-43D3-8B79-37D633B846F1}">
+                <asvg:svgBlip xmlns:asvg="http://schemas.microsoft.com/office/drawing/2016/SVG/main" r:embed="rId4"/>
+              </a:ext>
+            </a:extLst>
+          </a:blip>
+          <a:stretch>
+            <a:fillRect/>
+          </a:stretch>
+        </p:blipFill>
+        <p:spPr>
+          <a:xfrm>
+            <a:off x="2483957" y="4196287"/>
+            <a:ext cx="540598" cy="1096554"/>
+          </a:xfrm>
+          <a:prstGeom prst="rect">
+            <a:avLst/>
+          </a:prstGeom>
+        </p:spPr>
+      </p:pic>
+      <p:pic>
+        <p:nvPicPr>
+          <p:cNvPr id="11" name="Graphic 10">
+            <a:extLst>
+              <a:ext uri="{FF2B5EF4-FFF2-40B4-BE49-F238E27FC236}">
+                <a16:creationId xmlns:a16="http://schemas.microsoft.com/office/drawing/2014/main" id="{5E3A5837-8A9B-438A-B9B0-82920621FFED}"/>
+              </a:ext>
+            </a:extLst>
+          </p:cNvPr>
+          <p:cNvPicPr>
+            <a:picLocks noChangeAspect="1"/>
+          </p:cNvPicPr>
+          <p:nvPr/>
+        </p:nvPicPr>
+        <p:blipFill>
+          <a:blip r:embed="rId5" cstate="print">
+            <a:extLst>
+              <a:ext uri="{28A0092B-C50C-407E-A947-70E740481C1C}">
+                <a14:useLocalDpi xmlns:a14="http://schemas.microsoft.com/office/drawing/2010/main" val="0"/>
+              </a:ext>
+              <a:ext uri="{96DAC541-7B7A-43D3-8B79-37D633B846F1}">
+                <asvg:svgBlip xmlns:asvg="http://schemas.microsoft.com/office/drawing/2016/SVG/main" r:embed="rId6"/>
+              </a:ext>
+            </a:extLst>
+          </a:blip>
+          <a:stretch>
+            <a:fillRect/>
+          </a:stretch>
+        </p:blipFill>
+        <p:spPr>
+          <a:xfrm>
+            <a:off x="7125433" y="1973277"/>
+            <a:ext cx="1065090" cy="1433307"/>
+          </a:xfrm>
+          <a:prstGeom prst="rect">
+            <a:avLst/>
+          </a:prstGeom>
+        </p:spPr>
+      </p:pic>
+      <p:cxnSp>
+        <p:nvCxnSpPr>
+          <p:cNvPr id="14" name="Straight Arrow Connector 13">
+            <a:extLst>
+              <a:ext uri="{FF2B5EF4-FFF2-40B4-BE49-F238E27FC236}">
+                <a16:creationId xmlns:a16="http://schemas.microsoft.com/office/drawing/2014/main" id="{F917666F-8138-4ED6-8698-A08CA883DE54}"/>
+              </a:ext>
+            </a:extLst>
+          </p:cNvPr>
+          <p:cNvCxnSpPr>
+            <a:cxnSpLocks/>
+          </p:cNvCxnSpPr>
+          <p:nvPr/>
+        </p:nvCxnSpPr>
+        <p:spPr>
+          <a:xfrm>
+            <a:off x="3226253" y="2782278"/>
+            <a:ext cx="1416085" cy="0"/>
+          </a:xfrm>
+          <a:prstGeom prst="straightConnector1">
+            <a:avLst/>
+          </a:prstGeom>
+          <a:ln w="57150">
+            <a:solidFill>
+              <a:schemeClr val="accent1">
+                <a:lumMod val="50000"/>
+              </a:schemeClr>
+            </a:solidFill>
+            <a:tailEnd type="stealth"/>
+          </a:ln>
+        </p:spPr>
+        <p:style>
+          <a:lnRef idx="1">
+            <a:schemeClr val="accent1"/>
+          </a:lnRef>
+          <a:fillRef idx="0">
+            <a:schemeClr val="accent1"/>
+          </a:fillRef>
+          <a:effectRef idx="0">
+            <a:schemeClr val="accent1"/>
+          </a:effectRef>
+          <a:fontRef idx="minor">
+            <a:schemeClr val="tx1"/>
+          </a:fontRef>
+        </p:style>
+      </p:cxnSp>
+      <p:sp>
+        <p:nvSpPr>
+          <p:cNvPr id="16" name="TextBox 15">
+            <a:extLst>
+              <a:ext uri="{FF2B5EF4-FFF2-40B4-BE49-F238E27FC236}">
+                <a16:creationId xmlns:a16="http://schemas.microsoft.com/office/drawing/2014/main" id="{02D50F82-790A-4D8B-B731-F824D3A90D07}"/>
+              </a:ext>
+            </a:extLst>
+          </p:cNvPr>
+          <p:cNvSpPr txBox="1"/>
+          <p:nvPr/>
+        </p:nvSpPr>
+        <p:spPr>
+          <a:xfrm>
+            <a:off x="2172076" y="3190340"/>
+            <a:ext cx="1211248" cy="303137"/>
+          </a:xfrm>
+          <a:prstGeom prst="rect">
+            <a:avLst/>
+          </a:prstGeom>
+          <a:noFill/>
+        </p:spPr>
+        <p:txBody>
+          <a:bodyPr wrap="square" rtlCol="0">
+            <a:normAutofit/>
+          </a:bodyPr>
+          <a:lstStyle/>
+          <a:p>
+            <a:pPr algn="ctr"/>
+            <a:r>
+              <a:rPr lang="en-US" sz="1100" dirty="0"/>
+              <a:t>EMP Application</a:t>
+            </a:r>
+          </a:p>
+        </p:txBody>
+      </p:sp>
+      <p:cxnSp>
+        <p:nvCxnSpPr>
+          <p:cNvPr id="17" name="Straight Arrow Connector 16">
+            <a:extLst>
+              <a:ext uri="{FF2B5EF4-FFF2-40B4-BE49-F238E27FC236}">
+                <a16:creationId xmlns:a16="http://schemas.microsoft.com/office/drawing/2014/main" id="{B55A3C08-FC6C-4CFC-8532-5B7783A0E5A3}"/>
+              </a:ext>
+            </a:extLst>
+          </p:cNvPr>
+          <p:cNvCxnSpPr>
+            <a:cxnSpLocks/>
+          </p:cNvCxnSpPr>
+          <p:nvPr/>
+        </p:nvCxnSpPr>
+        <p:spPr>
+          <a:xfrm flipH="1">
+            <a:off x="2753066" y="3477302"/>
+            <a:ext cx="9980" cy="605255"/>
+          </a:xfrm>
+          <a:prstGeom prst="straightConnector1">
+            <a:avLst/>
+          </a:prstGeom>
+          <a:ln w="57150">
+            <a:solidFill>
+              <a:schemeClr val="accent1">
+                <a:lumMod val="50000"/>
+              </a:schemeClr>
+            </a:solidFill>
+            <a:tailEnd type="stealth"/>
+          </a:ln>
+        </p:spPr>
+        <p:style>
+          <a:lnRef idx="1">
+            <a:schemeClr val="accent1"/>
+          </a:lnRef>
+          <a:fillRef idx="0">
+            <a:schemeClr val="accent1"/>
+          </a:fillRef>
+          <a:effectRef idx="0">
+            <a:schemeClr val="accent1"/>
+          </a:effectRef>
+          <a:fontRef idx="minor">
+            <a:schemeClr val="tx1"/>
+          </a:fontRef>
+        </p:style>
+      </p:cxnSp>
+      <p:sp>
+        <p:nvSpPr>
+          <p:cNvPr id="18" name="TextBox 17">
+            <a:extLst>
+              <a:ext uri="{FF2B5EF4-FFF2-40B4-BE49-F238E27FC236}">
+                <a16:creationId xmlns:a16="http://schemas.microsoft.com/office/drawing/2014/main" id="{AB8499AF-DD24-4D6B-9544-5CE672BC2428}"/>
+              </a:ext>
+            </a:extLst>
+          </p:cNvPr>
+          <p:cNvSpPr txBox="1"/>
+          <p:nvPr/>
+        </p:nvSpPr>
+        <p:spPr>
+          <a:xfrm>
+            <a:off x="6884227" y="3522883"/>
+            <a:ext cx="1646970" cy="454197"/>
+          </a:xfrm>
+          <a:prstGeom prst="rect">
+            <a:avLst/>
+          </a:prstGeom>
+          <a:noFill/>
+        </p:spPr>
+        <p:txBody>
+          <a:bodyPr wrap="square" rtlCol="0">
+            <a:noAutofit/>
+          </a:bodyPr>
+          <a:lstStyle/>
+          <a:p>
+            <a:pPr algn="ctr"/>
+            <a:r>
+              <a:rPr lang="en-US" sz="1400" dirty="0"/>
+              <a:t>Various Databases</a:t>
+            </a:r>
+          </a:p>
+        </p:txBody>
+      </p:sp>
+      <p:sp>
+        <p:nvSpPr>
+          <p:cNvPr id="20" name="TextBox 19">
+            <a:extLst>
+              <a:ext uri="{FF2B5EF4-FFF2-40B4-BE49-F238E27FC236}">
+                <a16:creationId xmlns:a16="http://schemas.microsoft.com/office/drawing/2014/main" id="{802E7D18-CDBC-487F-988A-2B47DE9DE5B9}"/>
+              </a:ext>
+            </a:extLst>
+          </p:cNvPr>
+          <p:cNvSpPr txBox="1"/>
+          <p:nvPr/>
+        </p:nvSpPr>
+        <p:spPr>
+          <a:xfrm>
+            <a:off x="2147442" y="5366006"/>
+            <a:ext cx="1211248" cy="303137"/>
+          </a:xfrm>
+          <a:prstGeom prst="rect">
+            <a:avLst/>
+          </a:prstGeom>
+          <a:noFill/>
+        </p:spPr>
+        <p:txBody>
+          <a:bodyPr wrap="square" rtlCol="0">
+            <a:normAutofit/>
+          </a:bodyPr>
+          <a:lstStyle/>
+          <a:p>
+            <a:pPr algn="ctr"/>
+            <a:r>
+              <a:rPr lang="en-US" sz="1100" dirty="0"/>
+              <a:t>H2 Database</a:t>
+            </a:r>
+          </a:p>
+        </p:txBody>
+      </p:sp>
+      <p:pic>
+        <p:nvPicPr>
+          <p:cNvPr id="26" name="Graphic 25">
+            <a:extLst>
+              <a:ext uri="{FF2B5EF4-FFF2-40B4-BE49-F238E27FC236}">
+                <a16:creationId xmlns:a16="http://schemas.microsoft.com/office/drawing/2014/main" id="{762B3BEF-8FC4-471B-922D-09378D2478B9}"/>
+              </a:ext>
+            </a:extLst>
+          </p:cNvPr>
+          <p:cNvPicPr>
+            <a:picLocks noChangeAspect="1"/>
+          </p:cNvPicPr>
+          <p:nvPr/>
+        </p:nvPicPr>
+        <p:blipFill>
+          <a:blip r:embed="rId7">
+            <a:extLst>
+              <a:ext uri="{28A0092B-C50C-407E-A947-70E740481C1C}">
+                <a14:useLocalDpi xmlns:a14="http://schemas.microsoft.com/office/drawing/2010/main" val="0"/>
+              </a:ext>
+              <a:ext uri="{96DAC541-7B7A-43D3-8B79-37D633B846F1}">
+                <asvg:svgBlip xmlns:asvg="http://schemas.microsoft.com/office/drawing/2016/SVG/main" r:embed="rId8"/>
+              </a:ext>
+            </a:extLst>
+          </a:blip>
+          <a:stretch>
+            <a:fillRect/>
+          </a:stretch>
+        </p:blipFill>
+        <p:spPr>
+          <a:xfrm>
+            <a:off x="5479873" y="2252879"/>
+            <a:ext cx="799122" cy="799122"/>
+          </a:xfrm>
+          <a:prstGeom prst="rect">
+            <a:avLst/>
+          </a:prstGeom>
+        </p:spPr>
+      </p:pic>
+      <p:sp>
+        <p:nvSpPr>
+          <p:cNvPr id="28" name="TextBox 27">
+            <a:extLst>
+              <a:ext uri="{FF2B5EF4-FFF2-40B4-BE49-F238E27FC236}">
+                <a16:creationId xmlns:a16="http://schemas.microsoft.com/office/drawing/2014/main" id="{6EB2336B-DC08-4AEB-91B9-6A6E1C9FBD18}"/>
+              </a:ext>
+            </a:extLst>
+          </p:cNvPr>
+          <p:cNvSpPr txBox="1"/>
+          <p:nvPr/>
+        </p:nvSpPr>
+        <p:spPr>
+          <a:xfrm>
+            <a:off x="5176336" y="3194442"/>
+            <a:ext cx="1416049" cy="328441"/>
+          </a:xfrm>
+          <a:prstGeom prst="rect">
+            <a:avLst/>
+          </a:prstGeom>
+          <a:noFill/>
+        </p:spPr>
+        <p:txBody>
+          <a:bodyPr wrap="square" rtlCol="0">
+            <a:normAutofit/>
+          </a:bodyPr>
+          <a:lstStyle/>
+          <a:p>
+            <a:pPr algn="ctr"/>
+            <a:r>
+              <a:rPr lang="en-US" sz="1400" dirty="0"/>
+              <a:t>Prometheus</a:t>
+            </a:r>
+          </a:p>
+        </p:txBody>
+      </p:sp>
+      <p:pic>
+        <p:nvPicPr>
+          <p:cNvPr id="1028" name="Graphic 1027">
+            <a:extLst>
+              <a:ext uri="{FF2B5EF4-FFF2-40B4-BE49-F238E27FC236}">
+                <a16:creationId xmlns:a16="http://schemas.microsoft.com/office/drawing/2014/main" id="{DF4F4460-6CFA-432C-817D-234BB31CE261}"/>
+              </a:ext>
+            </a:extLst>
+          </p:cNvPr>
+          <p:cNvPicPr>
+            <a:picLocks noChangeAspect="1"/>
+          </p:cNvPicPr>
+          <p:nvPr/>
+        </p:nvPicPr>
+        <p:blipFill>
+          <a:blip r:embed="rId9" cstate="print">
+            <a:extLst>
+              <a:ext uri="{28A0092B-C50C-407E-A947-70E740481C1C}">
+                <a14:useLocalDpi xmlns:a14="http://schemas.microsoft.com/office/drawing/2010/main" val="0"/>
+              </a:ext>
+              <a:ext uri="{96DAC541-7B7A-43D3-8B79-37D633B846F1}">
+                <asvg:svgBlip xmlns:asvg="http://schemas.microsoft.com/office/drawing/2016/SVG/main" r:embed="rId10"/>
+              </a:ext>
+            </a:extLst>
+          </a:blip>
+          <a:stretch>
+            <a:fillRect/>
+          </a:stretch>
+        </p:blipFill>
+        <p:spPr>
+          <a:xfrm>
+            <a:off x="8844917" y="2194248"/>
+            <a:ext cx="1321466" cy="1228606"/>
+          </a:xfrm>
+          <a:prstGeom prst="rect">
+            <a:avLst/>
+          </a:prstGeom>
+        </p:spPr>
+      </p:pic>
+      <p:pic>
+        <p:nvPicPr>
+          <p:cNvPr id="1038" name="Picture 8">
+            <a:extLst>
+              <a:ext uri="{FF2B5EF4-FFF2-40B4-BE49-F238E27FC236}">
+                <a16:creationId xmlns:a16="http://schemas.microsoft.com/office/drawing/2014/main" id="{D39E1875-E06E-4196-8474-1DF0A0C34B8C}"/>
+              </a:ext>
+            </a:extLst>
+          </p:cNvPr>
+          <p:cNvPicPr>
+            <a:picLocks noChangeAspect="1" noChangeArrowheads="1"/>
+          </p:cNvPicPr>
+          <p:nvPr/>
+        </p:nvPicPr>
+        <p:blipFill>
+          <a:blip r:embed="rId11" cstate="print">
+            <a:extLst>
+              <a:ext uri="{28A0092B-C50C-407E-A947-70E740481C1C}">
+                <a14:useLocalDpi xmlns:a14="http://schemas.microsoft.com/office/drawing/2010/main" val="0"/>
+              </a:ext>
+            </a:extLst>
+          </a:blip>
+          <a:srcRect/>
+          <a:stretch>
+            <a:fillRect/>
+          </a:stretch>
+        </p:blipFill>
+        <p:spPr bwMode="auto">
+          <a:xfrm>
+            <a:off x="5448341" y="4494981"/>
+            <a:ext cx="1882541" cy="383481"/>
+          </a:xfrm>
+          <a:prstGeom prst="rect">
+            <a:avLst/>
+          </a:prstGeom>
+          <a:noFill/>
+          <a:extLst>
+            <a:ext uri="{909E8E84-426E-40DD-AFC4-6F175D3DCCD1}">
+              <a14:hiddenFill xmlns:a14="http://schemas.microsoft.com/office/drawing/2010/main">
+                <a:solidFill>
+                  <a:srgbClr val="FFFFFF"/>
+                </a:solidFill>
+              </a14:hiddenFill>
+            </a:ext>
+          </a:extLst>
+        </p:spPr>
+      </p:pic>
+      <p:pic>
+        <p:nvPicPr>
+          <p:cNvPr id="1042" name="Picture 1041">
+            <a:extLst>
+              <a:ext uri="{FF2B5EF4-FFF2-40B4-BE49-F238E27FC236}">
+                <a16:creationId xmlns:a16="http://schemas.microsoft.com/office/drawing/2014/main" id="{8EB0746B-19EE-410D-88EE-C4344D2E8BFD}"/>
+              </a:ext>
+            </a:extLst>
+          </p:cNvPr>
+          <p:cNvPicPr>
+            <a:picLocks noChangeAspect="1"/>
+          </p:cNvPicPr>
+          <p:nvPr/>
+        </p:nvPicPr>
+        <p:blipFill>
+          <a:blip r:embed="rId12"/>
+          <a:stretch>
+            <a:fillRect/>
+          </a:stretch>
+        </p:blipFill>
+        <p:spPr>
+          <a:xfrm rot="4180551">
+            <a:off x="7765398" y="3342152"/>
+            <a:ext cx="2417278" cy="2337658"/>
+          </a:xfrm>
+          <a:prstGeom prst="rect">
+            <a:avLst/>
+          </a:prstGeom>
+        </p:spPr>
+      </p:pic>
+      <p:sp>
+        <p:nvSpPr>
+          <p:cNvPr id="51" name="TextBox 50">
+            <a:extLst>
+              <a:ext uri="{FF2B5EF4-FFF2-40B4-BE49-F238E27FC236}">
+                <a16:creationId xmlns:a16="http://schemas.microsoft.com/office/drawing/2014/main" id="{E2B4EA33-DEFF-463F-9CFD-0D1B4FED52E4}"/>
+              </a:ext>
+            </a:extLst>
+          </p:cNvPr>
+          <p:cNvSpPr txBox="1"/>
+          <p:nvPr/>
+        </p:nvSpPr>
+        <p:spPr>
+          <a:xfrm>
+            <a:off x="8022924" y="5042425"/>
+            <a:ext cx="1971732" cy="623374"/>
+          </a:xfrm>
+          <a:prstGeom prst="rect">
+            <a:avLst/>
+          </a:prstGeom>
+          <a:noFill/>
+        </p:spPr>
+        <p:txBody>
+          <a:bodyPr wrap="square" rtlCol="0">
+            <a:noAutofit/>
+          </a:bodyPr>
+          <a:lstStyle/>
+          <a:p>
+            <a:pPr algn="ctr"/>
+            <a:r>
+              <a:rPr lang="en-US" sz="1400" dirty="0"/>
+              <a:t>Various Data Sources </a:t>
+            </a:r>
+          </a:p>
+          <a:p>
+            <a:pPr algn="ctr"/>
+            <a:r>
+              <a:rPr lang="en-US" sz="1400" dirty="0"/>
+              <a:t>of EMP Extensions</a:t>
+            </a:r>
+          </a:p>
+        </p:txBody>
+      </p:sp>
+      <p:sp>
+        <p:nvSpPr>
+          <p:cNvPr id="52" name="TextBox 51">
+            <a:extLst>
+              <a:ext uri="{FF2B5EF4-FFF2-40B4-BE49-F238E27FC236}">
+                <a16:creationId xmlns:a16="http://schemas.microsoft.com/office/drawing/2014/main" id="{2C00340B-97AD-4114-B55A-F875F77B8C62}"/>
+              </a:ext>
+            </a:extLst>
+          </p:cNvPr>
+          <p:cNvSpPr txBox="1"/>
+          <p:nvPr/>
+        </p:nvSpPr>
+        <p:spPr>
+          <a:xfrm>
+            <a:off x="208603" y="2152027"/>
+            <a:ext cx="1707624" cy="2031325"/>
+          </a:xfrm>
+          <a:prstGeom prst="rect">
+            <a:avLst/>
+          </a:prstGeom>
+          <a:noFill/>
+        </p:spPr>
+        <p:txBody>
+          <a:bodyPr wrap="square" rtlCol="0">
+            <a:spAutoFit/>
+          </a:bodyPr>
+          <a:lstStyle/>
+          <a:p>
+            <a:r>
+              <a:rPr lang="en-US" sz="1050" dirty="0"/>
+              <a:t>The standalone setup is the easiest setup of EMP. It’s basically copy and paste of the binaries, adjusting the config files and starting the app.</a:t>
+            </a:r>
+          </a:p>
+          <a:p>
+            <a:endParaRPr lang="en-US" sz="1050" dirty="0"/>
+          </a:p>
+          <a:p>
+            <a:r>
+              <a:rPr lang="en-US" sz="1050" dirty="0"/>
+              <a:t>The internal H2 DB is started with the application  instance and used as the data store for the application.</a:t>
+            </a:r>
+          </a:p>
+        </p:txBody>
+      </p:sp>
+    </p:spTree>
+    <p:extLst>
+      <p:ext uri="{BB962C8B-B14F-4D97-AF65-F5344CB8AC3E}">
+        <p14:creationId xmlns:p14="http://schemas.microsoft.com/office/powerpoint/2010/main" val="144083836"/>
+      </p:ext>
+    </p:extLst>
+  </p:cSld>
+  <p:clrMapOvr>
+    <a:masterClrMapping/>
+  </p:clrMapOvr>
+</p:sld>
+</file>
+
+<file path=ppt/slides/slide4.xml><?xml version="1.0" encoding="utf-8"?>
+<p:sld xmlns:a="http://schemas.openxmlformats.org/drawingml/2006/main" xmlns:r="http://schemas.openxmlformats.org/officeDocument/2006/relationships" xmlns:p="http://schemas.openxmlformats.org/presentationml/2006/main">
+  <p:cSld>
+    <p:spTree>
+      <p:nvGrpSpPr>
+        <p:cNvPr id="1" name=""/>
+        <p:cNvGrpSpPr/>
+        <p:nvPr/>
+      </p:nvGrpSpPr>
+      <p:grpSpPr>
+        <a:xfrm>
+          <a:off x="0" y="0"/>
+          <a:ext cx="0" cy="0"/>
+          <a:chOff x="0" y="0"/>
+          <a:chExt cx="0" cy="0"/>
+        </a:xfrm>
+      </p:grpSpPr>
+      <p:sp>
+        <p:nvSpPr>
+          <p:cNvPr id="19" name="Rectangle 18">
+            <a:extLst>
+              <a:ext uri="{FF2B5EF4-FFF2-40B4-BE49-F238E27FC236}">
+                <a16:creationId xmlns:a16="http://schemas.microsoft.com/office/drawing/2014/main" id="{5C2BA868-7F6E-44E9-B83E-738A45B032D1}"/>
+              </a:ext>
+            </a:extLst>
+          </p:cNvPr>
+          <p:cNvSpPr/>
+          <p:nvPr/>
+        </p:nvSpPr>
+        <p:spPr>
+          <a:xfrm>
+            <a:off x="5441883" y="1690688"/>
+            <a:ext cx="5911917" cy="4263866"/>
+          </a:xfrm>
+          <a:prstGeom prst="rect">
+            <a:avLst/>
+          </a:prstGeom>
+          <a:solidFill>
+            <a:schemeClr val="accent1">
+              <a:lumMod val="20000"/>
+              <a:lumOff val="80000"/>
+              <a:alpha val="50000"/>
+            </a:schemeClr>
+          </a:solidFill>
+          <a:ln w="19050">
+            <a:solidFill>
+              <a:srgbClr val="002060"/>
+            </a:solidFill>
+            <a:prstDash val="dash"/>
+          </a:ln>
+        </p:spPr>
+        <p:style>
+          <a:lnRef idx="0">
+            <a:scrgbClr r="0" g="0" b="0"/>
+          </a:lnRef>
+          <a:fillRef idx="0">
+            <a:scrgbClr r="0" g="0" b="0"/>
+          </a:fillRef>
+          <a:effectRef idx="0">
+            <a:scrgbClr r="0" g="0" b="0"/>
+          </a:effectRef>
+          <a:fontRef idx="minor">
+            <a:schemeClr val="lt1"/>
+          </a:fontRef>
+        </p:style>
+        <p:txBody>
+          <a:bodyPr rtlCol="0" anchor="t" anchorCtr="0">
+            <a:normAutofit/>
+          </a:bodyPr>
+          <a:lstStyle/>
+          <a:p>
+            <a:pPr algn="ctr"/>
+            <a:r>
+              <a:rPr lang="de-CH" dirty="0">
+                <a:solidFill>
+                  <a:srgbClr val="002060"/>
+                </a:solidFill>
+              </a:rPr>
+              <a:t>Other Hosts</a:t>
+            </a:r>
+          </a:p>
+        </p:txBody>
+      </p:sp>
+      <p:sp>
+        <p:nvSpPr>
+          <p:cNvPr id="15" name="Rectangle 14">
+            <a:extLst>
+              <a:ext uri="{FF2B5EF4-FFF2-40B4-BE49-F238E27FC236}">
+                <a16:creationId xmlns:a16="http://schemas.microsoft.com/office/drawing/2014/main" id="{C8644042-B4A5-4113-B335-8559B924EBB8}"/>
+              </a:ext>
+            </a:extLst>
+          </p:cNvPr>
+          <p:cNvSpPr/>
+          <p:nvPr/>
+        </p:nvSpPr>
+        <p:spPr>
+          <a:xfrm>
+            <a:off x="2715772" y="1690688"/>
+            <a:ext cx="1474806" cy="2018990"/>
+          </a:xfrm>
+          <a:prstGeom prst="rect">
+            <a:avLst/>
+          </a:prstGeom>
+          <a:solidFill>
+            <a:schemeClr val="accent1">
+              <a:lumMod val="20000"/>
+              <a:lumOff val="80000"/>
+              <a:alpha val="50000"/>
+            </a:schemeClr>
+          </a:solidFill>
+          <a:ln w="19050">
+            <a:solidFill>
+              <a:srgbClr val="002060"/>
+            </a:solidFill>
+            <a:prstDash val="dash"/>
+          </a:ln>
+        </p:spPr>
+        <p:style>
+          <a:lnRef idx="0">
+            <a:scrgbClr r="0" g="0" b="0"/>
+          </a:lnRef>
+          <a:fillRef idx="0">
+            <a:scrgbClr r="0" g="0" b="0"/>
+          </a:fillRef>
+          <a:effectRef idx="0">
+            <a:scrgbClr r="0" g="0" b="0"/>
+          </a:effectRef>
+          <a:fontRef idx="minor">
+            <a:schemeClr val="lt1"/>
+          </a:fontRef>
+        </p:style>
+        <p:txBody>
+          <a:bodyPr rtlCol="0" anchor="t" anchorCtr="0">
+            <a:normAutofit/>
+          </a:bodyPr>
+          <a:lstStyle/>
+          <a:p>
+            <a:pPr algn="ctr"/>
+            <a:r>
+              <a:rPr lang="de-CH" dirty="0">
+                <a:solidFill>
+                  <a:srgbClr val="002060"/>
+                </a:solidFill>
+              </a:rPr>
+              <a:t>EMP Server A</a:t>
+            </a:r>
+          </a:p>
+        </p:txBody>
+      </p:sp>
+      <p:sp>
+        <p:nvSpPr>
+          <p:cNvPr id="2" name="Title 1">
+            <a:extLst>
+              <a:ext uri="{FF2B5EF4-FFF2-40B4-BE49-F238E27FC236}">
+                <a16:creationId xmlns:a16="http://schemas.microsoft.com/office/drawing/2014/main" id="{7FDF5D74-9003-4180-8598-002CF8BEB192}"/>
+              </a:ext>
+            </a:extLst>
+          </p:cNvPr>
+          <p:cNvSpPr>
+            <a:spLocks noGrp="1"/>
+          </p:cNvSpPr>
+          <p:nvPr>
+            <p:ph type="title"/>
+          </p:nvPr>
+        </p:nvSpPr>
+        <p:spPr/>
+        <p:txBody>
+          <a:bodyPr/>
+          <a:lstStyle/>
+          <a:p>
+            <a:r>
+              <a:rPr lang="en-US" dirty="0"/>
+              <a:t>EMP Infrastructure – Multiple Instances</a:t>
+            </a:r>
+            <a:endParaRPr lang="LID4096" dirty="0"/>
+          </a:p>
+        </p:txBody>
+      </p:sp>
+      <p:pic>
+        <p:nvPicPr>
+          <p:cNvPr id="5" name="Picture 4">
+            <a:extLst>
+              <a:ext uri="{FF2B5EF4-FFF2-40B4-BE49-F238E27FC236}">
+                <a16:creationId xmlns:a16="http://schemas.microsoft.com/office/drawing/2014/main" id="{9612470C-D671-4979-92D1-08FB3D4A99E8}"/>
+              </a:ext>
+            </a:extLst>
+          </p:cNvPr>
+          <p:cNvPicPr>
+            <a:picLocks noChangeAspect="1"/>
+          </p:cNvPicPr>
+          <p:nvPr/>
+        </p:nvPicPr>
+        <p:blipFill>
+          <a:blip r:embed="rId2" cstate="print">
+            <a:extLst>
+              <a:ext uri="{28A0092B-C50C-407E-A947-70E740481C1C}">
+                <a14:useLocalDpi xmlns:a14="http://schemas.microsoft.com/office/drawing/2010/main" val="0"/>
+              </a:ext>
+            </a:extLst>
+          </a:blip>
+          <a:stretch>
+            <a:fillRect/>
+          </a:stretch>
+        </p:blipFill>
+        <p:spPr>
+          <a:xfrm>
+            <a:off x="3102132" y="2259922"/>
+            <a:ext cx="681275" cy="686639"/>
+          </a:xfrm>
+          <a:prstGeom prst="rect">
+            <a:avLst/>
+          </a:prstGeom>
+        </p:spPr>
+      </p:pic>
+      <p:pic>
+        <p:nvPicPr>
+          <p:cNvPr id="7" name="Graphic 6">
+            <a:extLst>
+              <a:ext uri="{FF2B5EF4-FFF2-40B4-BE49-F238E27FC236}">
+                <a16:creationId xmlns:a16="http://schemas.microsoft.com/office/drawing/2014/main" id="{3B2405E8-6A2F-4132-840C-BE215E259645}"/>
+              </a:ext>
+            </a:extLst>
+          </p:cNvPr>
+          <p:cNvPicPr>
+            <a:picLocks noChangeAspect="1"/>
+          </p:cNvPicPr>
+          <p:nvPr/>
+        </p:nvPicPr>
+        <p:blipFill>
+          <a:blip r:embed="rId3" cstate="print">
+            <a:extLst>
+              <a:ext uri="{28A0092B-C50C-407E-A947-70E740481C1C}">
+                <a14:useLocalDpi xmlns:a14="http://schemas.microsoft.com/office/drawing/2010/main" val="0"/>
+              </a:ext>
+              <a:ext uri="{96DAC541-7B7A-43D3-8B79-37D633B846F1}">
+                <asvg:svgBlip xmlns:asvg="http://schemas.microsoft.com/office/drawing/2016/SVG/main" r:embed="rId4"/>
+              </a:ext>
+            </a:extLst>
+          </a:blip>
+          <a:stretch>
+            <a:fillRect/>
+          </a:stretch>
+        </p:blipFill>
+        <p:spPr>
+          <a:xfrm>
+            <a:off x="994340" y="2969078"/>
+            <a:ext cx="540598" cy="1096554"/>
+          </a:xfrm>
+          <a:prstGeom prst="rect">
+            <a:avLst/>
+          </a:prstGeom>
+        </p:spPr>
+      </p:pic>
+      <p:pic>
+        <p:nvPicPr>
+          <p:cNvPr id="11" name="Graphic 10">
+            <a:extLst>
+              <a:ext uri="{FF2B5EF4-FFF2-40B4-BE49-F238E27FC236}">
+                <a16:creationId xmlns:a16="http://schemas.microsoft.com/office/drawing/2014/main" id="{5E3A5837-8A9B-438A-B9B0-82920621FFED}"/>
+              </a:ext>
+            </a:extLst>
+          </p:cNvPr>
+          <p:cNvPicPr>
+            <a:picLocks noChangeAspect="1"/>
+          </p:cNvPicPr>
+          <p:nvPr/>
+        </p:nvPicPr>
+        <p:blipFill>
+          <a:blip r:embed="rId5" cstate="print">
+            <a:extLst>
+              <a:ext uri="{28A0092B-C50C-407E-A947-70E740481C1C}">
+                <a14:useLocalDpi xmlns:a14="http://schemas.microsoft.com/office/drawing/2010/main" val="0"/>
+              </a:ext>
+              <a:ext uri="{96DAC541-7B7A-43D3-8B79-37D633B846F1}">
+                <asvg:svgBlip xmlns:asvg="http://schemas.microsoft.com/office/drawing/2016/SVG/main" r:embed="rId6"/>
+              </a:ext>
+            </a:extLst>
+          </a:blip>
+          <a:stretch>
+            <a:fillRect/>
+          </a:stretch>
+        </p:blipFill>
+        <p:spPr>
+          <a:xfrm>
+            <a:off x="7815562" y="2160077"/>
+            <a:ext cx="1065090" cy="1433307"/>
+          </a:xfrm>
+          <a:prstGeom prst="rect">
+            <a:avLst/>
+          </a:prstGeom>
+        </p:spPr>
+      </p:pic>
+      <p:cxnSp>
+        <p:nvCxnSpPr>
+          <p:cNvPr id="14" name="Straight Arrow Connector 13">
+            <a:extLst>
+              <a:ext uri="{FF2B5EF4-FFF2-40B4-BE49-F238E27FC236}">
+                <a16:creationId xmlns:a16="http://schemas.microsoft.com/office/drawing/2014/main" id="{F917666F-8138-4ED6-8698-A08CA883DE54}"/>
+              </a:ext>
+            </a:extLst>
+          </p:cNvPr>
+          <p:cNvCxnSpPr>
+            <a:cxnSpLocks/>
+          </p:cNvCxnSpPr>
+          <p:nvPr/>
+        </p:nvCxnSpPr>
+        <p:spPr>
+          <a:xfrm>
+            <a:off x="3946688" y="2617385"/>
+            <a:ext cx="1416085" cy="0"/>
+          </a:xfrm>
+          <a:prstGeom prst="straightConnector1">
+            <a:avLst/>
+          </a:prstGeom>
+          <a:ln w="57150">
+            <a:solidFill>
+              <a:schemeClr val="accent1">
+                <a:lumMod val="50000"/>
+              </a:schemeClr>
+            </a:solidFill>
+            <a:tailEnd type="stealth"/>
+          </a:ln>
+        </p:spPr>
+        <p:style>
+          <a:lnRef idx="1">
+            <a:schemeClr val="accent1"/>
+          </a:lnRef>
+          <a:fillRef idx="0">
+            <a:schemeClr val="accent1"/>
+          </a:fillRef>
+          <a:effectRef idx="0">
+            <a:schemeClr val="accent1"/>
+          </a:effectRef>
+          <a:fontRef idx="minor">
+            <a:schemeClr val="tx1"/>
+          </a:fontRef>
+        </p:style>
+      </p:cxnSp>
+      <p:sp>
+        <p:nvSpPr>
+          <p:cNvPr id="16" name="TextBox 15">
+            <a:extLst>
+              <a:ext uri="{FF2B5EF4-FFF2-40B4-BE49-F238E27FC236}">
+                <a16:creationId xmlns:a16="http://schemas.microsoft.com/office/drawing/2014/main" id="{02D50F82-790A-4D8B-B731-F824D3A90D07}"/>
+              </a:ext>
+            </a:extLst>
+          </p:cNvPr>
+          <p:cNvSpPr txBox="1"/>
+          <p:nvPr/>
+        </p:nvSpPr>
+        <p:spPr>
+          <a:xfrm>
+            <a:off x="2720021" y="3059044"/>
+            <a:ext cx="1445498" cy="303137"/>
+          </a:xfrm>
+          <a:prstGeom prst="rect">
+            <a:avLst/>
+          </a:prstGeom>
+          <a:noFill/>
+        </p:spPr>
+        <p:txBody>
+          <a:bodyPr wrap="square" rtlCol="0">
+            <a:noAutofit/>
+          </a:bodyPr>
+          <a:lstStyle/>
+          <a:p>
+            <a:pPr algn="ctr"/>
+            <a:r>
+              <a:rPr lang="en-US" sz="1400" dirty="0"/>
+              <a:t>EMP Instance A</a:t>
+            </a:r>
+          </a:p>
+        </p:txBody>
+      </p:sp>
+      <p:sp>
+        <p:nvSpPr>
+          <p:cNvPr id="18" name="TextBox 17">
+            <a:extLst>
+              <a:ext uri="{FF2B5EF4-FFF2-40B4-BE49-F238E27FC236}">
+                <a16:creationId xmlns:a16="http://schemas.microsoft.com/office/drawing/2014/main" id="{AB8499AF-DD24-4D6B-9544-5CE672BC2428}"/>
+              </a:ext>
+            </a:extLst>
+          </p:cNvPr>
+          <p:cNvSpPr txBox="1"/>
+          <p:nvPr/>
+        </p:nvSpPr>
+        <p:spPr>
+          <a:xfrm>
+            <a:off x="7574356" y="3709683"/>
+            <a:ext cx="1646970" cy="454197"/>
+          </a:xfrm>
+          <a:prstGeom prst="rect">
+            <a:avLst/>
+          </a:prstGeom>
+          <a:noFill/>
+        </p:spPr>
+        <p:txBody>
+          <a:bodyPr wrap="square" rtlCol="0">
+            <a:noAutofit/>
+          </a:bodyPr>
+          <a:lstStyle/>
+          <a:p>
+            <a:pPr algn="ctr"/>
+            <a:r>
+              <a:rPr lang="en-US" sz="1400" dirty="0"/>
+              <a:t>Various Databases</a:t>
+            </a:r>
+          </a:p>
+        </p:txBody>
+      </p:sp>
+      <p:sp>
+        <p:nvSpPr>
+          <p:cNvPr id="20" name="TextBox 19">
+            <a:extLst>
+              <a:ext uri="{FF2B5EF4-FFF2-40B4-BE49-F238E27FC236}">
+                <a16:creationId xmlns:a16="http://schemas.microsoft.com/office/drawing/2014/main" id="{802E7D18-CDBC-487F-988A-2B47DE9DE5B9}"/>
+              </a:ext>
+            </a:extLst>
+          </p:cNvPr>
+          <p:cNvSpPr txBox="1"/>
+          <p:nvPr/>
+        </p:nvSpPr>
+        <p:spPr>
+          <a:xfrm>
+            <a:off x="528211" y="4138797"/>
+            <a:ext cx="1470476" cy="303137"/>
+          </a:xfrm>
+          <a:prstGeom prst="rect">
+            <a:avLst/>
+          </a:prstGeom>
+          <a:noFill/>
+        </p:spPr>
+        <p:txBody>
+          <a:bodyPr wrap="square" rtlCol="0">
+            <a:noAutofit/>
+          </a:bodyPr>
+          <a:lstStyle/>
+          <a:p>
+            <a:pPr algn="ctr"/>
+            <a:r>
+              <a:rPr lang="en-US" sz="1400" dirty="0"/>
+              <a:t>H2 Database</a:t>
+            </a:r>
+          </a:p>
+        </p:txBody>
+      </p:sp>
+      <p:pic>
+        <p:nvPicPr>
+          <p:cNvPr id="26" name="Graphic 25">
+            <a:extLst>
+              <a:ext uri="{FF2B5EF4-FFF2-40B4-BE49-F238E27FC236}">
+                <a16:creationId xmlns:a16="http://schemas.microsoft.com/office/drawing/2014/main" id="{762B3BEF-8FC4-471B-922D-09378D2478B9}"/>
+              </a:ext>
+            </a:extLst>
+          </p:cNvPr>
+          <p:cNvPicPr>
+            <a:picLocks noChangeAspect="1"/>
+          </p:cNvPicPr>
+          <p:nvPr/>
+        </p:nvPicPr>
+        <p:blipFill>
+          <a:blip r:embed="rId7">
+            <a:extLst>
+              <a:ext uri="{28A0092B-C50C-407E-A947-70E740481C1C}">
+                <a14:useLocalDpi xmlns:a14="http://schemas.microsoft.com/office/drawing/2010/main" val="0"/>
+              </a:ext>
+              <a:ext uri="{96DAC541-7B7A-43D3-8B79-37D633B846F1}">
+                <asvg:svgBlip xmlns:asvg="http://schemas.microsoft.com/office/drawing/2016/SVG/main" r:embed="rId8"/>
+              </a:ext>
+            </a:extLst>
+          </a:blip>
+          <a:stretch>
+            <a:fillRect/>
+          </a:stretch>
+        </p:blipFill>
+        <p:spPr>
+          <a:xfrm>
+            <a:off x="6170002" y="2439679"/>
+            <a:ext cx="799122" cy="799122"/>
+          </a:xfrm>
+          <a:prstGeom prst="rect">
+            <a:avLst/>
+          </a:prstGeom>
+        </p:spPr>
+      </p:pic>
+      <p:sp>
+        <p:nvSpPr>
+          <p:cNvPr id="28" name="TextBox 27">
+            <a:extLst>
+              <a:ext uri="{FF2B5EF4-FFF2-40B4-BE49-F238E27FC236}">
+                <a16:creationId xmlns:a16="http://schemas.microsoft.com/office/drawing/2014/main" id="{6EB2336B-DC08-4AEB-91B9-6A6E1C9FBD18}"/>
+              </a:ext>
+            </a:extLst>
+          </p:cNvPr>
+          <p:cNvSpPr txBox="1"/>
+          <p:nvPr/>
+        </p:nvSpPr>
+        <p:spPr>
+          <a:xfrm>
+            <a:off x="5866465" y="3381242"/>
+            <a:ext cx="1416049" cy="328441"/>
+          </a:xfrm>
+          <a:prstGeom prst="rect">
+            <a:avLst/>
+          </a:prstGeom>
+          <a:noFill/>
+        </p:spPr>
+        <p:txBody>
+          <a:bodyPr wrap="square" rtlCol="0">
+            <a:normAutofit/>
+          </a:bodyPr>
+          <a:lstStyle/>
+          <a:p>
+            <a:pPr algn="ctr"/>
+            <a:r>
+              <a:rPr lang="en-US" sz="1400" dirty="0"/>
+              <a:t>Prometheus</a:t>
+            </a:r>
+          </a:p>
+        </p:txBody>
+      </p:sp>
+      <p:pic>
+        <p:nvPicPr>
+          <p:cNvPr id="1028" name="Graphic 1027">
+            <a:extLst>
+              <a:ext uri="{FF2B5EF4-FFF2-40B4-BE49-F238E27FC236}">
+                <a16:creationId xmlns:a16="http://schemas.microsoft.com/office/drawing/2014/main" id="{DF4F4460-6CFA-432C-817D-234BB31CE261}"/>
+              </a:ext>
+            </a:extLst>
+          </p:cNvPr>
+          <p:cNvPicPr>
+            <a:picLocks noChangeAspect="1"/>
+          </p:cNvPicPr>
+          <p:nvPr/>
+        </p:nvPicPr>
+        <p:blipFill>
+          <a:blip r:embed="rId9" cstate="print">
+            <a:extLst>
+              <a:ext uri="{28A0092B-C50C-407E-A947-70E740481C1C}">
+                <a14:useLocalDpi xmlns:a14="http://schemas.microsoft.com/office/drawing/2010/main" val="0"/>
+              </a:ext>
+              <a:ext uri="{96DAC541-7B7A-43D3-8B79-37D633B846F1}">
+                <asvg:svgBlip xmlns:asvg="http://schemas.microsoft.com/office/drawing/2016/SVG/main" r:embed="rId10"/>
+              </a:ext>
+            </a:extLst>
+          </a:blip>
+          <a:stretch>
+            <a:fillRect/>
+          </a:stretch>
+        </p:blipFill>
+        <p:spPr>
+          <a:xfrm>
+            <a:off x="9535046" y="2381048"/>
+            <a:ext cx="1321466" cy="1228606"/>
+          </a:xfrm>
+          <a:prstGeom prst="rect">
+            <a:avLst/>
+          </a:prstGeom>
+        </p:spPr>
+      </p:pic>
+      <p:pic>
+        <p:nvPicPr>
+          <p:cNvPr id="1038" name="Picture 8">
+            <a:extLst>
+              <a:ext uri="{FF2B5EF4-FFF2-40B4-BE49-F238E27FC236}">
+                <a16:creationId xmlns:a16="http://schemas.microsoft.com/office/drawing/2014/main" id="{D39E1875-E06E-4196-8474-1DF0A0C34B8C}"/>
+              </a:ext>
+            </a:extLst>
+          </p:cNvPr>
+          <p:cNvPicPr>
+            <a:picLocks noChangeAspect="1" noChangeArrowheads="1"/>
+          </p:cNvPicPr>
+          <p:nvPr/>
+        </p:nvPicPr>
+        <p:blipFill>
+          <a:blip r:embed="rId11" cstate="print">
+            <a:extLst>
+              <a:ext uri="{28A0092B-C50C-407E-A947-70E740481C1C}">
+                <a14:useLocalDpi xmlns:a14="http://schemas.microsoft.com/office/drawing/2010/main" val="0"/>
+              </a:ext>
+            </a:extLst>
+          </a:blip>
+          <a:srcRect/>
+          <a:stretch>
+            <a:fillRect/>
+          </a:stretch>
+        </p:blipFill>
+        <p:spPr bwMode="auto">
+          <a:xfrm>
+            <a:off x="6138470" y="4681781"/>
+            <a:ext cx="1882541" cy="383481"/>
+          </a:xfrm>
+          <a:prstGeom prst="rect">
+            <a:avLst/>
+          </a:prstGeom>
+          <a:noFill/>
+          <a:extLst>
+            <a:ext uri="{909E8E84-426E-40DD-AFC4-6F175D3DCCD1}">
+              <a14:hiddenFill xmlns:a14="http://schemas.microsoft.com/office/drawing/2010/main">
+                <a:solidFill>
+                  <a:srgbClr val="FFFFFF"/>
+                </a:solidFill>
+              </a14:hiddenFill>
+            </a:ext>
+          </a:extLst>
+        </p:spPr>
+      </p:pic>
+      <p:pic>
+        <p:nvPicPr>
+          <p:cNvPr id="1042" name="Picture 1041">
+            <a:extLst>
+              <a:ext uri="{FF2B5EF4-FFF2-40B4-BE49-F238E27FC236}">
+                <a16:creationId xmlns:a16="http://schemas.microsoft.com/office/drawing/2014/main" id="{8EB0746B-19EE-410D-88EE-C4344D2E8BFD}"/>
+              </a:ext>
+            </a:extLst>
+          </p:cNvPr>
+          <p:cNvPicPr>
+            <a:picLocks noChangeAspect="1"/>
+          </p:cNvPicPr>
+          <p:nvPr/>
+        </p:nvPicPr>
+        <p:blipFill>
+          <a:blip r:embed="rId12"/>
+          <a:stretch>
+            <a:fillRect/>
+          </a:stretch>
+        </p:blipFill>
+        <p:spPr>
+          <a:xfrm rot="4180551">
+            <a:off x="8455527" y="3528952"/>
+            <a:ext cx="2417278" cy="2337658"/>
+          </a:xfrm>
+          <a:prstGeom prst="rect">
+            <a:avLst/>
+          </a:prstGeom>
+        </p:spPr>
+      </p:pic>
+      <p:sp>
+        <p:nvSpPr>
+          <p:cNvPr id="51" name="TextBox 50">
+            <a:extLst>
+              <a:ext uri="{FF2B5EF4-FFF2-40B4-BE49-F238E27FC236}">
+                <a16:creationId xmlns:a16="http://schemas.microsoft.com/office/drawing/2014/main" id="{E2B4EA33-DEFF-463F-9CFD-0D1B4FED52E4}"/>
+              </a:ext>
+            </a:extLst>
+          </p:cNvPr>
+          <p:cNvSpPr txBox="1"/>
+          <p:nvPr/>
+        </p:nvSpPr>
+        <p:spPr>
+          <a:xfrm>
+            <a:off x="8713053" y="5229225"/>
+            <a:ext cx="1971732" cy="623374"/>
+          </a:xfrm>
+          <a:prstGeom prst="rect">
+            <a:avLst/>
+          </a:prstGeom>
+          <a:noFill/>
+        </p:spPr>
+        <p:txBody>
+          <a:bodyPr wrap="square" rtlCol="0">
+            <a:noAutofit/>
+          </a:bodyPr>
+          <a:lstStyle/>
+          <a:p>
+            <a:pPr algn="ctr"/>
+            <a:r>
+              <a:rPr lang="en-US" sz="1400" dirty="0"/>
+              <a:t>Various Data Sources </a:t>
+            </a:r>
+          </a:p>
+          <a:p>
+            <a:pPr algn="ctr"/>
+            <a:r>
+              <a:rPr lang="en-US" sz="1400" dirty="0"/>
+              <a:t>of EMP Extensions</a:t>
+            </a:r>
+          </a:p>
+        </p:txBody>
+      </p:sp>
+      <p:sp>
+        <p:nvSpPr>
+          <p:cNvPr id="21" name="Rectangle 20">
+            <a:extLst>
+              <a:ext uri="{FF2B5EF4-FFF2-40B4-BE49-F238E27FC236}">
+                <a16:creationId xmlns:a16="http://schemas.microsoft.com/office/drawing/2014/main" id="{ADB9B584-BC11-46C0-921F-CCAC3C3CFB5C}"/>
+              </a:ext>
+            </a:extLst>
+          </p:cNvPr>
+          <p:cNvSpPr/>
+          <p:nvPr/>
+        </p:nvSpPr>
+        <p:spPr>
+          <a:xfrm>
+            <a:off x="2715772" y="3935564"/>
+            <a:ext cx="1474806" cy="2018990"/>
+          </a:xfrm>
+          <a:prstGeom prst="rect">
+            <a:avLst/>
+          </a:prstGeom>
+          <a:solidFill>
+            <a:schemeClr val="accent1">
+              <a:lumMod val="20000"/>
+              <a:lumOff val="80000"/>
+              <a:alpha val="50000"/>
+            </a:schemeClr>
+          </a:solidFill>
+          <a:ln w="19050">
+            <a:solidFill>
+              <a:srgbClr val="002060"/>
+            </a:solidFill>
+            <a:prstDash val="dash"/>
+          </a:ln>
+        </p:spPr>
+        <p:style>
+          <a:lnRef idx="0">
+            <a:scrgbClr r="0" g="0" b="0"/>
+          </a:lnRef>
+          <a:fillRef idx="0">
+            <a:scrgbClr r="0" g="0" b="0"/>
+          </a:fillRef>
+          <a:effectRef idx="0">
+            <a:scrgbClr r="0" g="0" b="0"/>
+          </a:effectRef>
+          <a:fontRef idx="minor">
+            <a:schemeClr val="lt1"/>
+          </a:fontRef>
+        </p:style>
+        <p:txBody>
+          <a:bodyPr rtlCol="0" anchor="t" anchorCtr="0">
+            <a:normAutofit/>
+          </a:bodyPr>
+          <a:lstStyle/>
+          <a:p>
+            <a:pPr algn="ctr"/>
+            <a:r>
+              <a:rPr lang="de-CH" dirty="0">
+                <a:solidFill>
+                  <a:srgbClr val="002060"/>
+                </a:solidFill>
+              </a:rPr>
+              <a:t>EMP Server B</a:t>
+            </a:r>
+          </a:p>
+        </p:txBody>
+      </p:sp>
+      <p:pic>
+        <p:nvPicPr>
+          <p:cNvPr id="22" name="Picture 21">
+            <a:extLst>
+              <a:ext uri="{FF2B5EF4-FFF2-40B4-BE49-F238E27FC236}">
+                <a16:creationId xmlns:a16="http://schemas.microsoft.com/office/drawing/2014/main" id="{B571600F-0E97-4259-807F-B4EFB23F6B41}"/>
+              </a:ext>
+            </a:extLst>
+          </p:cNvPr>
+          <p:cNvPicPr>
+            <a:picLocks noChangeAspect="1"/>
+          </p:cNvPicPr>
+          <p:nvPr/>
+        </p:nvPicPr>
+        <p:blipFill>
+          <a:blip r:embed="rId2" cstate="print">
+            <a:extLst>
+              <a:ext uri="{28A0092B-C50C-407E-A947-70E740481C1C}">
+                <a14:useLocalDpi xmlns:a14="http://schemas.microsoft.com/office/drawing/2010/main" val="0"/>
+              </a:ext>
+            </a:extLst>
+          </a:blip>
+          <a:stretch>
+            <a:fillRect/>
+          </a:stretch>
+        </p:blipFill>
+        <p:spPr>
+          <a:xfrm>
+            <a:off x="3102132" y="4504798"/>
+            <a:ext cx="681275" cy="686639"/>
+          </a:xfrm>
+          <a:prstGeom prst="rect">
+            <a:avLst/>
+          </a:prstGeom>
+        </p:spPr>
+      </p:pic>
+      <p:sp>
+        <p:nvSpPr>
+          <p:cNvPr id="23" name="TextBox 22">
+            <a:extLst>
+              <a:ext uri="{FF2B5EF4-FFF2-40B4-BE49-F238E27FC236}">
+                <a16:creationId xmlns:a16="http://schemas.microsoft.com/office/drawing/2014/main" id="{17B8B88D-6A31-4548-854E-345DA1300100}"/>
+              </a:ext>
+            </a:extLst>
+          </p:cNvPr>
+          <p:cNvSpPr txBox="1"/>
+          <p:nvPr/>
+        </p:nvSpPr>
+        <p:spPr>
+          <a:xfrm>
+            <a:off x="2720021" y="5303920"/>
+            <a:ext cx="1445498" cy="303137"/>
+          </a:xfrm>
+          <a:prstGeom prst="rect">
+            <a:avLst/>
+          </a:prstGeom>
+          <a:noFill/>
+        </p:spPr>
+        <p:txBody>
+          <a:bodyPr wrap="square" rtlCol="0">
+            <a:noAutofit/>
+          </a:bodyPr>
+          <a:lstStyle/>
+          <a:p>
+            <a:pPr algn="ctr"/>
+            <a:r>
+              <a:rPr lang="en-US" sz="1400" dirty="0"/>
+              <a:t>EMP Instance B</a:t>
+            </a:r>
+          </a:p>
+        </p:txBody>
+      </p:sp>
+      <p:cxnSp>
+        <p:nvCxnSpPr>
+          <p:cNvPr id="24" name="Straight Arrow Connector 23">
+            <a:extLst>
+              <a:ext uri="{FF2B5EF4-FFF2-40B4-BE49-F238E27FC236}">
+                <a16:creationId xmlns:a16="http://schemas.microsoft.com/office/drawing/2014/main" id="{0D8F3E8B-B325-492E-ACDB-C30A1E076A57}"/>
+              </a:ext>
+            </a:extLst>
+          </p:cNvPr>
+          <p:cNvCxnSpPr>
+            <a:cxnSpLocks/>
+          </p:cNvCxnSpPr>
+          <p:nvPr/>
+        </p:nvCxnSpPr>
+        <p:spPr>
+          <a:xfrm>
+            <a:off x="3946688" y="4852585"/>
+            <a:ext cx="1416085" cy="0"/>
+          </a:xfrm>
+          <a:prstGeom prst="straightConnector1">
+            <a:avLst/>
+          </a:prstGeom>
+          <a:ln w="57150">
+            <a:solidFill>
+              <a:schemeClr val="accent1">
+                <a:lumMod val="50000"/>
+              </a:schemeClr>
+            </a:solidFill>
+            <a:tailEnd type="stealth"/>
+          </a:ln>
+        </p:spPr>
+        <p:style>
+          <a:lnRef idx="1">
+            <a:schemeClr val="accent1"/>
+          </a:lnRef>
+          <a:fillRef idx="0">
+            <a:schemeClr val="accent1"/>
+          </a:fillRef>
+          <a:effectRef idx="0">
+            <a:schemeClr val="accent1"/>
+          </a:effectRef>
+          <a:fontRef idx="minor">
+            <a:schemeClr val="tx1"/>
+          </a:fontRef>
+        </p:style>
+      </p:cxnSp>
+      <p:cxnSp>
+        <p:nvCxnSpPr>
+          <p:cNvPr id="25" name="Straight Arrow Connector 24">
+            <a:extLst>
+              <a:ext uri="{FF2B5EF4-FFF2-40B4-BE49-F238E27FC236}">
+                <a16:creationId xmlns:a16="http://schemas.microsoft.com/office/drawing/2014/main" id="{B09A2FC1-7244-4E17-BFE1-9A6846EE0C4F}"/>
+              </a:ext>
+            </a:extLst>
+          </p:cNvPr>
+          <p:cNvCxnSpPr>
+            <a:cxnSpLocks/>
+          </p:cNvCxnSpPr>
+          <p:nvPr/>
+        </p:nvCxnSpPr>
+        <p:spPr>
+          <a:xfrm flipH="1">
+            <a:off x="1755879" y="2719203"/>
+            <a:ext cx="1165798" cy="776617"/>
+          </a:xfrm>
+          <a:prstGeom prst="straightConnector1">
+            <a:avLst/>
+          </a:prstGeom>
+          <a:ln w="57150">
+            <a:solidFill>
+              <a:schemeClr val="accent1">
+                <a:lumMod val="50000"/>
+              </a:schemeClr>
+            </a:solidFill>
+            <a:tailEnd type="stealth"/>
+          </a:ln>
+        </p:spPr>
+        <p:style>
+          <a:lnRef idx="1">
+            <a:schemeClr val="accent1"/>
+          </a:lnRef>
+          <a:fillRef idx="0">
+            <a:schemeClr val="accent1"/>
+          </a:fillRef>
+          <a:effectRef idx="0">
+            <a:schemeClr val="accent1"/>
+          </a:effectRef>
+          <a:fontRef idx="minor">
+            <a:schemeClr val="tx1"/>
+          </a:fontRef>
+        </p:style>
+      </p:cxnSp>
+      <p:cxnSp>
+        <p:nvCxnSpPr>
+          <p:cNvPr id="27" name="Straight Arrow Connector 26">
+            <a:extLst>
+              <a:ext uri="{FF2B5EF4-FFF2-40B4-BE49-F238E27FC236}">
+                <a16:creationId xmlns:a16="http://schemas.microsoft.com/office/drawing/2014/main" id="{A85363DB-0AE3-4780-9229-18C447FB85C6}"/>
+              </a:ext>
+            </a:extLst>
+          </p:cNvPr>
+          <p:cNvCxnSpPr>
+            <a:cxnSpLocks/>
+          </p:cNvCxnSpPr>
+          <p:nvPr/>
+        </p:nvCxnSpPr>
+        <p:spPr>
+          <a:xfrm flipH="1" flipV="1">
+            <a:off x="1755880" y="3709678"/>
+            <a:ext cx="1212855" cy="1183590"/>
+          </a:xfrm>
+          <a:prstGeom prst="straightConnector1">
+            <a:avLst/>
+          </a:prstGeom>
+          <a:ln w="57150">
+            <a:solidFill>
+              <a:schemeClr val="accent1">
+                <a:lumMod val="50000"/>
+              </a:schemeClr>
+            </a:solidFill>
+            <a:tailEnd type="stealth"/>
+          </a:ln>
+        </p:spPr>
+        <p:style>
+          <a:lnRef idx="1">
+            <a:schemeClr val="accent1"/>
+          </a:lnRef>
+          <a:fillRef idx="0">
+            <a:schemeClr val="accent1"/>
+          </a:fillRef>
+          <a:effectRef idx="0">
+            <a:schemeClr val="accent1"/>
+          </a:effectRef>
+          <a:fontRef idx="minor">
+            <a:schemeClr val="tx1"/>
+          </a:fontRef>
+        </p:style>
+      </p:cxnSp>
+      <p:sp>
+        <p:nvSpPr>
+          <p:cNvPr id="30" name="TextBox 29">
+            <a:extLst>
+              <a:ext uri="{FF2B5EF4-FFF2-40B4-BE49-F238E27FC236}">
+                <a16:creationId xmlns:a16="http://schemas.microsoft.com/office/drawing/2014/main" id="{BF3C7850-936E-48FF-8D46-A435E658E897}"/>
+              </a:ext>
+            </a:extLst>
+          </p:cNvPr>
+          <p:cNvSpPr txBox="1"/>
+          <p:nvPr/>
+        </p:nvSpPr>
+        <p:spPr>
+          <a:xfrm>
+            <a:off x="703429" y="1690688"/>
+            <a:ext cx="1515055" cy="738664"/>
+          </a:xfrm>
+          <a:prstGeom prst="rect">
+            <a:avLst/>
+          </a:prstGeom>
+          <a:noFill/>
+        </p:spPr>
+        <p:txBody>
+          <a:bodyPr wrap="square" rtlCol="0">
+            <a:spAutoFit/>
+          </a:bodyPr>
+          <a:lstStyle/>
+          <a:p>
+            <a:r>
+              <a:rPr lang="en-US" sz="1050" dirty="0"/>
+              <a:t>Separate Setup of the database with one or multiple instances connecting to it.</a:t>
+            </a:r>
+          </a:p>
+        </p:txBody>
+      </p:sp>
+    </p:spTree>
+    <p:extLst>
+      <p:ext uri="{BB962C8B-B14F-4D97-AF65-F5344CB8AC3E}">
+        <p14:creationId xmlns:p14="http://schemas.microsoft.com/office/powerpoint/2010/main" val="1972920024"/>
+      </p:ext>
+    </p:extLst>
+  </p:cSld>
+  <p:clrMapOvr>
+    <a:masterClrMapping/>
+  </p:clrMapOvr>
+</p:sld>
+</file>
+
 <file path=ppt/theme/theme1.xml><?xml version="1.0" encoding="utf-8"?>
 <a:theme xmlns:a="http://schemas.openxmlformats.org/drawingml/2006/main" name="Office Theme">
   <a:themeElements>
